--- a/Lead Scoring Case Study.pptx
+++ b/Lead Scoring Case Study.pptx
@@ -6021,10 +6021,10 @@
           <a:lstStyle/>
           <a:p>
             <a:r>
-              <a:rPr lang="en-US" dirty="0"/>
+              <a:rPr lang="en-US" b="1" dirty="0"/>
               <a:t>1) Dropping Columns – Null Values</a:t>
             </a:r>
-            <a:endParaRPr lang="en-IN" dirty="0"/>
+            <a:endParaRPr lang="en-IN" b="1" dirty="0"/>
           </a:p>
         </p:txBody>
       </p:sp>
@@ -6139,10 +6139,10 @@
           <a:lstStyle/>
           <a:p>
             <a:r>
-              <a:rPr lang="en-US" dirty="0"/>
+              <a:rPr lang="en-US" b="1" dirty="0"/>
               <a:t>1) Dropping Columns – Null Values</a:t>
             </a:r>
-            <a:endParaRPr lang="en-IN" dirty="0"/>
+            <a:endParaRPr lang="en-IN" b="1" dirty="0"/>
           </a:p>
         </p:txBody>
       </p:sp>
@@ -6310,10 +6310,10 @@
           <a:lstStyle/>
           <a:p>
             <a:r>
-              <a:rPr lang="en-US" dirty="0"/>
+              <a:rPr lang="en-US" b="1" dirty="0"/>
               <a:t>Country Column - Dropped</a:t>
             </a:r>
-            <a:endParaRPr lang="en-IN" dirty="0"/>
+            <a:endParaRPr lang="en-IN" b="1" dirty="0"/>
           </a:p>
         </p:txBody>
       </p:sp>
@@ -6414,10 +6414,10 @@
           <a:lstStyle/>
           <a:p>
             <a:r>
-              <a:rPr lang="en-US" dirty="0"/>
+              <a:rPr lang="en-US" b="1" dirty="0"/>
               <a:t>Prospect ID and Lead Number - Dropped</a:t>
             </a:r>
-            <a:endParaRPr lang="en-IN" dirty="0"/>
+            <a:endParaRPr lang="en-IN" b="1" dirty="0"/>
           </a:p>
         </p:txBody>
       </p:sp>
@@ -6834,7 +6834,12 @@
             <p:ph idx="1"/>
           </p:nvPr>
         </p:nvSpPr>
-        <p:spPr/>
+        <p:spPr>
+          <a:xfrm>
+            <a:off x="677334" y="2610965"/>
+            <a:ext cx="8596668" cy="3880773"/>
+          </a:xfrm>
+        </p:spPr>
         <p:txBody>
           <a:bodyPr/>
           <a:lstStyle/>
@@ -7507,7 +7512,12 @@
             <p:ph idx="1"/>
           </p:nvPr>
         </p:nvSpPr>
-        <p:spPr/>
+        <p:spPr>
+          <a:xfrm>
+            <a:off x="554504" y="1397173"/>
+            <a:ext cx="8596668" cy="3880773"/>
+          </a:xfrm>
+        </p:spPr>
         <p:txBody>
           <a:bodyPr/>
           <a:lstStyle/>
@@ -7542,14 +7552,14 @@
           <p:nvPr>
             <p:extLst>
               <p:ext uri="{D42A27DB-BD31-4B8C-83A1-F6EECF244321}">
-                <p14:modId xmlns:p14="http://schemas.microsoft.com/office/powerpoint/2010/main" val="1244142514"/>
+                <p14:modId xmlns:p14="http://schemas.microsoft.com/office/powerpoint/2010/main" val="288640420"/>
               </p:ext>
             </p:extLst>
           </p:nvPr>
         </p:nvGraphicFramePr>
         <p:xfrm>
-          <a:off x="1588827" y="3520440"/>
-          <a:ext cx="5960555" cy="3337560"/>
+          <a:off x="2312158" y="2910840"/>
+          <a:ext cx="4184177" cy="3337560"/>
         </p:xfrm>
         <a:graphic>
           <a:graphicData uri="http://schemas.openxmlformats.org/drawingml/2006/table">
@@ -7558,14 +7568,14 @@
                 <a:tableStyleId>{5C22544A-7EE6-4342-B048-85BDC9FD1C3A}</a:tableStyleId>
               </a:tblPr>
               <a:tblGrid>
-                <a:gridCol w="1896555">
+                <a:gridCol w="2409968">
                   <a:extLst>
                     <a:ext uri="{9D8B030D-6E8A-4147-A177-3AD203B41FA5}">
                       <a16:colId xmlns:a16="http://schemas.microsoft.com/office/drawing/2014/main" val="1030277452"/>
                     </a:ext>
                   </a:extLst>
                 </a:gridCol>
-                <a:gridCol w="4064000">
+                <a:gridCol w="1774209">
                   <a:extLst>
                     <a:ext uri="{9D8B030D-6E8A-4147-A177-3AD203B41FA5}">
                       <a16:colId xmlns:a16="http://schemas.microsoft.com/office/drawing/2014/main" val="1219986507"/>
@@ -7990,7 +8000,12 @@
             <p:ph type="title"/>
           </p:nvPr>
         </p:nvSpPr>
-        <p:spPr/>
+        <p:spPr>
+          <a:xfrm>
+            <a:off x="636391" y="46918"/>
+            <a:ext cx="8596668" cy="1320800"/>
+          </a:xfrm>
+        </p:spPr>
         <p:txBody>
           <a:bodyPr/>
           <a:lstStyle/>
@@ -8019,7 +8034,12 @@
             <p:ph idx="1"/>
           </p:nvPr>
         </p:nvSpPr>
-        <p:spPr/>
+        <p:spPr>
+          <a:xfrm>
+            <a:off x="355884" y="881409"/>
+            <a:ext cx="8596668" cy="3880773"/>
+          </a:xfrm>
+        </p:spPr>
         <p:txBody>
           <a:bodyPr/>
           <a:lstStyle/>
@@ -8057,14 +8077,14 @@
           <p:nvPr>
             <p:extLst>
               <p:ext uri="{D42A27DB-BD31-4B8C-83A1-F6EECF244321}">
-                <p14:modId xmlns:p14="http://schemas.microsoft.com/office/powerpoint/2010/main" val="2393607965"/>
+                <p14:modId xmlns:p14="http://schemas.microsoft.com/office/powerpoint/2010/main" val="1316744404"/>
               </p:ext>
             </p:extLst>
           </p:nvPr>
         </p:nvGraphicFramePr>
         <p:xfrm>
-          <a:off x="838200" y="1578614"/>
-          <a:ext cx="8128000" cy="4450080"/>
+          <a:off x="1058950" y="2202209"/>
+          <a:ext cx="7751550" cy="4389120"/>
         </p:xfrm>
         <a:graphic>
           <a:graphicData uri="http://schemas.openxmlformats.org/drawingml/2006/table">
@@ -8073,14 +8093,14 @@
                 <a:tableStyleId>{5C22544A-7EE6-4342-B048-85BDC9FD1C3A}</a:tableStyleId>
               </a:tblPr>
               <a:tblGrid>
-                <a:gridCol w="4064000">
+                <a:gridCol w="4140847">
                   <a:extLst>
                     <a:ext uri="{9D8B030D-6E8A-4147-A177-3AD203B41FA5}">
                       <a16:colId xmlns:a16="http://schemas.microsoft.com/office/drawing/2014/main" val="413356172"/>
                     </a:ext>
                   </a:extLst>
                 </a:gridCol>
-                <a:gridCol w="4064000">
+                <a:gridCol w="3610703">
                   <a:extLst>
                     <a:ext uri="{9D8B030D-6E8A-4147-A177-3AD203B41FA5}">
                       <a16:colId xmlns:a16="http://schemas.microsoft.com/office/drawing/2014/main" val="806033939"/>
@@ -8088,7 +8108,7 @@
                   </a:extLst>
                 </a:gridCol>
               </a:tblGrid>
-              <a:tr h="370840">
+              <a:tr h="341525">
                 <a:tc>
                   <a:txBody>
                     <a:bodyPr/>
@@ -8123,7 +8143,7 @@
                   </a:ext>
                 </a:extLst>
               </a:tr>
-              <a:tr h="370840">
+              <a:tr h="341525">
                 <a:tc>
                   <a:txBody>
                     <a:bodyPr/>
@@ -8166,7 +8186,7 @@
                   </a:ext>
                 </a:extLst>
               </a:tr>
-              <a:tr h="370840">
+              <a:tr h="341525">
                 <a:tc>
                   <a:txBody>
                     <a:bodyPr/>
@@ -8209,7 +8229,7 @@
                   </a:ext>
                 </a:extLst>
               </a:tr>
-              <a:tr h="370840">
+              <a:tr h="341525">
                 <a:tc>
                   <a:txBody>
                     <a:bodyPr/>
@@ -8252,7 +8272,7 @@
                   </a:ext>
                 </a:extLst>
               </a:tr>
-              <a:tr h="370840">
+              <a:tr h="341525">
                 <a:tc>
                   <a:txBody>
                     <a:bodyPr/>
@@ -8295,7 +8315,7 @@
                   </a:ext>
                 </a:extLst>
               </a:tr>
-              <a:tr h="370840">
+              <a:tr h="341525">
                 <a:tc>
                   <a:txBody>
                     <a:bodyPr/>
@@ -8338,7 +8358,7 @@
                   </a:ext>
                 </a:extLst>
               </a:tr>
-              <a:tr h="370840">
+              <a:tr h="341525">
                 <a:tc>
                   <a:txBody>
                     <a:bodyPr/>
@@ -8381,7 +8401,7 @@
                   </a:ext>
                 </a:extLst>
               </a:tr>
-              <a:tr h="370840">
+              <a:tr h="341525">
                 <a:tc>
                   <a:txBody>
                     <a:bodyPr/>
@@ -8424,7 +8444,7 @@
                   </a:ext>
                 </a:extLst>
               </a:tr>
-              <a:tr h="370840">
+              <a:tr h="341525">
                 <a:tc>
                   <a:txBody>
                     <a:bodyPr/>
@@ -8467,7 +8487,7 @@
                   </a:ext>
                 </a:extLst>
               </a:tr>
-              <a:tr h="370840">
+              <a:tr h="341525">
                 <a:tc>
                   <a:txBody>
                     <a:bodyPr/>
@@ -8510,7 +8530,7 @@
                   </a:ext>
                 </a:extLst>
               </a:tr>
-              <a:tr h="370840">
+              <a:tr h="341525">
                 <a:tc>
                   <a:txBody>
                     <a:bodyPr/>
@@ -8553,7 +8573,7 @@
                   </a:ext>
                 </a:extLst>
               </a:tr>
-              <a:tr h="370840">
+              <a:tr h="341525">
                 <a:tc>
                   <a:txBody>
                     <a:bodyPr/>
@@ -8920,14 +8940,14 @@
           <p:nvPr>
             <p:extLst>
               <p:ext uri="{D42A27DB-BD31-4B8C-83A1-F6EECF244321}">
-                <p14:modId xmlns:p14="http://schemas.microsoft.com/office/powerpoint/2010/main" val="4196872539"/>
+                <p14:modId xmlns:p14="http://schemas.microsoft.com/office/powerpoint/2010/main" val="2354805935"/>
               </p:ext>
             </p:extLst>
           </p:nvPr>
         </p:nvGraphicFramePr>
         <p:xfrm>
-          <a:off x="1201003" y="3053433"/>
-          <a:ext cx="7990006" cy="3337560"/>
+          <a:off x="558042" y="3258821"/>
+          <a:ext cx="3195092" cy="3337560"/>
         </p:xfrm>
         <a:graphic>
           <a:graphicData uri="http://schemas.openxmlformats.org/drawingml/2006/table">
@@ -8936,14 +8956,14 @@
                 <a:tableStyleId>{5C22544A-7EE6-4342-B048-85BDC9FD1C3A}</a:tableStyleId>
               </a:tblPr>
               <a:tblGrid>
-                <a:gridCol w="3926006">
+                <a:gridCol w="1460310">
                   <a:extLst>
                     <a:ext uri="{9D8B030D-6E8A-4147-A177-3AD203B41FA5}">
                       <a16:colId xmlns:a16="http://schemas.microsoft.com/office/drawing/2014/main" val="780689529"/>
                     </a:ext>
                   </a:extLst>
                 </a:gridCol>
-                <a:gridCol w="4064000">
+                <a:gridCol w="1734782">
                   <a:extLst>
                     <a:ext uri="{9D8B030D-6E8A-4147-A177-3AD203B41FA5}">
                       <a16:colId xmlns:a16="http://schemas.microsoft.com/office/drawing/2014/main" val="1508619613"/>
@@ -9349,14 +9369,14 @@
           <p:nvPr>
             <p:extLst>
               <p:ext uri="{D42A27DB-BD31-4B8C-83A1-F6EECF244321}">
-                <p14:modId xmlns:p14="http://schemas.microsoft.com/office/powerpoint/2010/main" val="3366467695"/>
+                <p14:modId xmlns:p14="http://schemas.microsoft.com/office/powerpoint/2010/main" val="471666590"/>
               </p:ext>
             </p:extLst>
           </p:nvPr>
         </p:nvGraphicFramePr>
         <p:xfrm>
-          <a:off x="2482376" y="1313749"/>
-          <a:ext cx="8128000" cy="1483360"/>
+          <a:off x="5074536" y="3746591"/>
+          <a:ext cx="4318758" cy="1483360"/>
         </p:xfrm>
         <a:graphic>
           <a:graphicData uri="http://schemas.openxmlformats.org/drawingml/2006/table">
@@ -9365,14 +9385,14 @@
                 <a:tableStyleId>{5C22544A-7EE6-4342-B048-85BDC9FD1C3A}</a:tableStyleId>
               </a:tblPr>
               <a:tblGrid>
-                <a:gridCol w="4064000">
+                <a:gridCol w="2159379">
                   <a:extLst>
                     <a:ext uri="{9D8B030D-6E8A-4147-A177-3AD203B41FA5}">
                       <a16:colId xmlns:a16="http://schemas.microsoft.com/office/drawing/2014/main" val="3614112640"/>
                     </a:ext>
                   </a:extLst>
                 </a:gridCol>
-                <a:gridCol w="4064000">
+                <a:gridCol w="2159379">
                   <a:extLst>
                     <a:ext uri="{9D8B030D-6E8A-4147-A177-3AD203B41FA5}">
                       <a16:colId xmlns:a16="http://schemas.microsoft.com/office/drawing/2014/main" val="3823104657"/>
@@ -9631,14 +9651,14 @@
           <p:nvPr>
             <p:extLst>
               <p:ext uri="{D42A27DB-BD31-4B8C-83A1-F6EECF244321}">
-                <p14:modId xmlns:p14="http://schemas.microsoft.com/office/powerpoint/2010/main" val="3387603796"/>
+                <p14:modId xmlns:p14="http://schemas.microsoft.com/office/powerpoint/2010/main" val="835561201"/>
               </p:ext>
             </p:extLst>
           </p:nvPr>
         </p:nvGraphicFramePr>
         <p:xfrm>
-          <a:off x="1201003" y="3053433"/>
-          <a:ext cx="7990006" cy="3337560"/>
+          <a:off x="1105469" y="3304831"/>
+          <a:ext cx="3275463" cy="3337560"/>
         </p:xfrm>
         <a:graphic>
           <a:graphicData uri="http://schemas.openxmlformats.org/drawingml/2006/table">
@@ -9647,14 +9667,14 @@
                 <a:tableStyleId>{5C22544A-7EE6-4342-B048-85BDC9FD1C3A}</a:tableStyleId>
               </a:tblPr>
               <a:tblGrid>
-                <a:gridCol w="3926006">
+                <a:gridCol w="1687774">
                   <a:extLst>
                     <a:ext uri="{9D8B030D-6E8A-4147-A177-3AD203B41FA5}">
                       <a16:colId xmlns:a16="http://schemas.microsoft.com/office/drawing/2014/main" val="780689529"/>
                     </a:ext>
                   </a:extLst>
                 </a:gridCol>
-                <a:gridCol w="4064000">
+                <a:gridCol w="1587689">
                   <a:extLst>
                     <a:ext uri="{9D8B030D-6E8A-4147-A177-3AD203B41FA5}">
                       <a16:colId xmlns:a16="http://schemas.microsoft.com/office/drawing/2014/main" val="1508619613"/>
@@ -10060,14 +10080,14 @@
           <p:nvPr>
             <p:extLst>
               <p:ext uri="{D42A27DB-BD31-4B8C-83A1-F6EECF244321}">
-                <p14:modId xmlns:p14="http://schemas.microsoft.com/office/powerpoint/2010/main" val="1920697472"/>
+                <p14:modId xmlns:p14="http://schemas.microsoft.com/office/powerpoint/2010/main" val="145647902"/>
               </p:ext>
             </p:extLst>
           </p:nvPr>
         </p:nvGraphicFramePr>
         <p:xfrm>
-          <a:off x="3225800" y="2517934"/>
-          <a:ext cx="8128000" cy="2966720"/>
+          <a:off x="5600889" y="3281680"/>
+          <a:ext cx="2840251" cy="2966720"/>
         </p:xfrm>
         <a:graphic>
           <a:graphicData uri="http://schemas.openxmlformats.org/drawingml/2006/table">
@@ -10076,14 +10096,14 @@
                 <a:tableStyleId>{5C22544A-7EE6-4342-B048-85BDC9FD1C3A}</a:tableStyleId>
               </a:tblPr>
               <a:tblGrid>
-                <a:gridCol w="4064000">
+                <a:gridCol w="1475475">
                   <a:extLst>
                     <a:ext uri="{9D8B030D-6E8A-4147-A177-3AD203B41FA5}">
                       <a16:colId xmlns:a16="http://schemas.microsoft.com/office/drawing/2014/main" val="2756783731"/>
                     </a:ext>
                   </a:extLst>
                 </a:gridCol>
-                <a:gridCol w="4064000">
+                <a:gridCol w="1364776">
                   <a:extLst>
                     <a:ext uri="{9D8B030D-6E8A-4147-A177-3AD203B41FA5}">
                       <a16:colId xmlns:a16="http://schemas.microsoft.com/office/drawing/2014/main" val="253928144"/>
@@ -10407,31 +10427,6 @@
       </p:grpSpPr>
       <p:sp>
         <p:nvSpPr>
-          <p:cNvPr id="2" name="Title 1">
-            <a:extLst>
-              <a:ext uri="{FF2B5EF4-FFF2-40B4-BE49-F238E27FC236}">
-                <a16:creationId xmlns:a16="http://schemas.microsoft.com/office/drawing/2014/main" id="{02BDC1B9-5D04-6FD9-3CD1-75B83C11A996}"/>
-              </a:ext>
-            </a:extLst>
-          </p:cNvPr>
-          <p:cNvSpPr>
-            <a:spLocks noGrp="1"/>
-          </p:cNvSpPr>
-          <p:nvPr>
-            <p:ph type="title"/>
-          </p:nvPr>
-        </p:nvSpPr>
-        <p:spPr/>
-        <p:txBody>
-          <a:bodyPr/>
-          <a:lstStyle/>
-          <a:p>
-            <a:endParaRPr lang="en-IN"/>
-          </a:p>
-        </p:txBody>
-      </p:sp>
-      <p:sp>
-        <p:nvSpPr>
           <p:cNvPr id="3" name="Content Placeholder 2">
             <a:extLst>
               <a:ext uri="{FF2B5EF4-FFF2-40B4-BE49-F238E27FC236}">
@@ -10446,7 +10441,12 @@
             <p:ph idx="1"/>
           </p:nvPr>
         </p:nvSpPr>
-        <p:spPr/>
+        <p:spPr>
+          <a:xfrm>
+            <a:off x="292929" y="277198"/>
+            <a:ext cx="8596668" cy="3880773"/>
+          </a:xfrm>
+        </p:spPr>
         <p:txBody>
           <a:bodyPr/>
           <a:lstStyle/>
@@ -10485,8 +10485,8 @@
         </p:blipFill>
         <p:spPr>
           <a:xfrm>
-            <a:off x="4591263" y="2559050"/>
-            <a:ext cx="5438775" cy="3752850"/>
+            <a:off x="1575108" y="1767479"/>
+            <a:ext cx="5824738" cy="4019171"/>
           </a:xfrm>
           <a:prstGeom prst="rect">
             <a:avLst/>
@@ -10658,14 +10658,14 @@
           <p:nvPr>
             <p:extLst>
               <p:ext uri="{D42A27DB-BD31-4B8C-83A1-F6EECF244321}">
-                <p14:modId xmlns:p14="http://schemas.microsoft.com/office/powerpoint/2010/main" val="1345731387"/>
+                <p14:modId xmlns:p14="http://schemas.microsoft.com/office/powerpoint/2010/main" val="1348622558"/>
               </p:ext>
             </p:extLst>
           </p:nvPr>
         </p:nvGraphicFramePr>
         <p:xfrm>
-          <a:off x="1201003" y="3053433"/>
-          <a:ext cx="7990006" cy="3337560"/>
+          <a:off x="1050877" y="3315546"/>
+          <a:ext cx="3316406" cy="3337560"/>
         </p:xfrm>
         <a:graphic>
           <a:graphicData uri="http://schemas.openxmlformats.org/drawingml/2006/table">
@@ -10674,14 +10674,14 @@
                 <a:tableStyleId>{5C22544A-7EE6-4342-B048-85BDC9FD1C3A}</a:tableStyleId>
               </a:tblPr>
               <a:tblGrid>
-                <a:gridCol w="3926006">
+                <a:gridCol w="1715069">
                   <a:extLst>
                     <a:ext uri="{9D8B030D-6E8A-4147-A177-3AD203B41FA5}">
                       <a16:colId xmlns:a16="http://schemas.microsoft.com/office/drawing/2014/main" val="780689529"/>
                     </a:ext>
                   </a:extLst>
                 </a:gridCol>
-                <a:gridCol w="4064000">
+                <a:gridCol w="1601337">
                   <a:extLst>
                     <a:ext uri="{9D8B030D-6E8A-4147-A177-3AD203B41FA5}">
                       <a16:colId xmlns:a16="http://schemas.microsoft.com/office/drawing/2014/main" val="1508619613"/>
@@ -11087,14 +11087,14 @@
           <p:nvPr>
             <p:extLst>
               <p:ext uri="{D42A27DB-BD31-4B8C-83A1-F6EECF244321}">
-                <p14:modId xmlns:p14="http://schemas.microsoft.com/office/powerpoint/2010/main" val="25395045"/>
+                <p14:modId xmlns:p14="http://schemas.microsoft.com/office/powerpoint/2010/main" val="270772543"/>
               </p:ext>
             </p:extLst>
           </p:nvPr>
         </p:nvGraphicFramePr>
         <p:xfrm>
-          <a:off x="2032000" y="719666"/>
-          <a:ext cx="8128000" cy="2595880"/>
+          <a:off x="5336275" y="3315546"/>
+          <a:ext cx="2593074" cy="2595880"/>
         </p:xfrm>
         <a:graphic>
           <a:graphicData uri="http://schemas.openxmlformats.org/drawingml/2006/table">
@@ -11103,14 +11103,14 @@
                 <a:tableStyleId>{5C22544A-7EE6-4342-B048-85BDC9FD1C3A}</a:tableStyleId>
               </a:tblPr>
               <a:tblGrid>
-                <a:gridCol w="4064000">
+                <a:gridCol w="1619534">
                   <a:extLst>
                     <a:ext uri="{9D8B030D-6E8A-4147-A177-3AD203B41FA5}">
                       <a16:colId xmlns:a16="http://schemas.microsoft.com/office/drawing/2014/main" val="4178322620"/>
                     </a:ext>
                   </a:extLst>
                 </a:gridCol>
-                <a:gridCol w="4064000">
+                <a:gridCol w="973540">
                   <a:extLst>
                     <a:ext uri="{9D8B030D-6E8A-4147-A177-3AD203B41FA5}">
                       <a16:colId xmlns:a16="http://schemas.microsoft.com/office/drawing/2014/main" val="655350572"/>
@@ -11399,31 +11399,6 @@
       </p:grpSpPr>
       <p:sp>
         <p:nvSpPr>
-          <p:cNvPr id="2" name="Title 1">
-            <a:extLst>
-              <a:ext uri="{FF2B5EF4-FFF2-40B4-BE49-F238E27FC236}">
-                <a16:creationId xmlns:a16="http://schemas.microsoft.com/office/drawing/2014/main" id="{94B7ECB3-0CAB-3664-6CE9-1589336ED367}"/>
-              </a:ext>
-            </a:extLst>
-          </p:cNvPr>
-          <p:cNvSpPr>
-            <a:spLocks noGrp="1"/>
-          </p:cNvSpPr>
-          <p:nvPr>
-            <p:ph type="title"/>
-          </p:nvPr>
-        </p:nvSpPr>
-        <p:spPr/>
-        <p:txBody>
-          <a:bodyPr/>
-          <a:lstStyle/>
-          <a:p>
-            <a:endParaRPr lang="en-IN"/>
-          </a:p>
-        </p:txBody>
-      </p:sp>
-      <p:sp>
-        <p:nvSpPr>
           <p:cNvPr id="3" name="Content Placeholder 2">
             <a:extLst>
               <a:ext uri="{FF2B5EF4-FFF2-40B4-BE49-F238E27FC236}">
@@ -11438,7 +11413,12 @@
             <p:ph idx="1"/>
           </p:nvPr>
         </p:nvSpPr>
-        <p:spPr/>
+        <p:spPr>
+          <a:xfrm>
+            <a:off x="404379" y="386380"/>
+            <a:ext cx="8596668" cy="3880773"/>
+          </a:xfrm>
+        </p:spPr>
         <p:txBody>
           <a:bodyPr/>
           <a:lstStyle/>
@@ -11473,8 +11453,8 @@
         </p:blipFill>
         <p:spPr>
           <a:xfrm>
-            <a:off x="1804276" y="2958294"/>
-            <a:ext cx="5362575" cy="3752850"/>
+            <a:off x="1381780" y="1869743"/>
+            <a:ext cx="6098969" cy="4268195"/>
           </a:xfrm>
           <a:prstGeom prst="rect">
             <a:avLst/>
@@ -11556,20 +11536,46 @@
             <p:ph idx="1"/>
           </p:nvPr>
         </p:nvSpPr>
-        <p:spPr/>
+        <p:spPr>
+          <a:xfrm>
+            <a:off x="369532" y="1488613"/>
+            <a:ext cx="8596668" cy="3880773"/>
+          </a:xfrm>
+        </p:spPr>
         <p:txBody>
           <a:bodyPr/>
           <a:lstStyle/>
           <a:p>
             <a:r>
               <a:rPr lang="en-US" dirty="0"/>
-              <a:t>For more number of persons, origin of leas is through Landing page submission.</a:t>
-            </a:r>
-          </a:p>
-          <a:p>
-            <a:r>
-              <a:rPr lang="en-US" dirty="0"/>
-              <a:t>Different values and their counts for Lead Origin row is as below:</a:t>
+              <a:t>For more number of persons, origin of lead </a:t>
+            </a:r>
+            <a:br>
+              <a:rPr lang="en-US" dirty="0"/>
+            </a:br>
+            <a:r>
+              <a:rPr lang="en-US" dirty="0"/>
+              <a:t>is through </a:t>
+            </a:r>
+            <a:br>
+              <a:rPr lang="en-US" dirty="0"/>
+            </a:br>
+            <a:r>
+              <a:rPr lang="en-US" dirty="0"/>
+              <a:t>Landing page submission.</a:t>
+            </a:r>
+          </a:p>
+          <a:p>
+            <a:r>
+              <a:rPr lang="en-US" dirty="0"/>
+              <a:t>Different values and their counts for Lead </a:t>
+            </a:r>
+            <a:br>
+              <a:rPr lang="en-US" dirty="0"/>
+            </a:br>
+            <a:r>
+              <a:rPr lang="en-US" dirty="0"/>
+              <a:t>Origin row is as below:</a:t>
             </a:r>
           </a:p>
           <a:p>
@@ -11592,14 +11598,14 @@
           <p:nvPr>
             <p:extLst>
               <p:ext uri="{D42A27DB-BD31-4B8C-83A1-F6EECF244321}">
-                <p14:modId xmlns:p14="http://schemas.microsoft.com/office/powerpoint/2010/main" val="488736361"/>
+                <p14:modId xmlns:p14="http://schemas.microsoft.com/office/powerpoint/2010/main" val="3315011901"/>
               </p:ext>
             </p:extLst>
           </p:nvPr>
         </p:nvGraphicFramePr>
         <p:xfrm>
-          <a:off x="838200" y="2888774"/>
-          <a:ext cx="8128000" cy="1854200"/>
+          <a:off x="1139155" y="3920040"/>
+          <a:ext cx="3658381" cy="1854200"/>
         </p:xfrm>
         <a:graphic>
           <a:graphicData uri="http://schemas.openxmlformats.org/drawingml/2006/table">
@@ -11608,14 +11614,14 @@
                 <a:tableStyleId>{5C22544A-7EE6-4342-B048-85BDC9FD1C3A}</a:tableStyleId>
               </a:tblPr>
               <a:tblGrid>
-                <a:gridCol w="4064000">
+                <a:gridCol w="2784924">
                   <a:extLst>
                     <a:ext uri="{9D8B030D-6E8A-4147-A177-3AD203B41FA5}">
                       <a16:colId xmlns:a16="http://schemas.microsoft.com/office/drawing/2014/main" val="3103763503"/>
                     </a:ext>
                   </a:extLst>
                 </a:gridCol>
-                <a:gridCol w="4064000">
+                <a:gridCol w="873457">
                   <a:extLst>
                     <a:ext uri="{9D8B030D-6E8A-4147-A177-3AD203B41FA5}">
                       <a16:colId xmlns:a16="http://schemas.microsoft.com/office/drawing/2014/main" val="988093871"/>
@@ -11824,8 +11830,8 @@
         </p:blipFill>
         <p:spPr>
           <a:xfrm>
-            <a:off x="7828531" y="2511188"/>
-            <a:ext cx="3319562" cy="3411136"/>
+            <a:off x="6096000" y="1269242"/>
+            <a:ext cx="5552510" cy="5301596"/>
           </a:xfrm>
           <a:prstGeom prst="rect">
             <a:avLst/>
@@ -11907,14 +11913,26 @@
             <p:ph idx="1"/>
           </p:nvPr>
         </p:nvSpPr>
-        <p:spPr/>
+        <p:spPr>
+          <a:xfrm>
+            <a:off x="377083" y="1382667"/>
+            <a:ext cx="8596668" cy="3880773"/>
+          </a:xfrm>
+        </p:spPr>
         <p:txBody>
           <a:bodyPr/>
           <a:lstStyle/>
           <a:p>
             <a:r>
               <a:rPr lang="en-US" dirty="0"/>
-              <a:t>Google is the Lead Source for more number of users.</a:t>
+              <a:t>Google is the Lead Source for more </a:t>
+            </a:r>
+            <a:br>
+              <a:rPr lang="en-US" dirty="0"/>
+            </a:br>
+            <a:r>
+              <a:rPr lang="en-US" dirty="0"/>
+              <a:t>number of users.</a:t>
             </a:r>
             <a:endParaRPr lang="en-IN" dirty="0"/>
           </a:p>
@@ -11942,8 +11960,8 @@
         </p:blipFill>
         <p:spPr>
           <a:xfrm>
-            <a:off x="6064748" y="2141535"/>
-            <a:ext cx="4622302" cy="4351339"/>
+            <a:off x="6064747" y="1009935"/>
+            <a:ext cx="5824369" cy="5482940"/>
           </a:xfrm>
           <a:prstGeom prst="rect">
             <a:avLst/>
@@ -12032,7 +12050,14 @@
           <a:p>
             <a:r>
               <a:rPr lang="en-US" dirty="0"/>
-              <a:t>For most of the users, number of total visits is between 0 to 9.</a:t>
+              <a:t>For most of the users, number of total </a:t>
+            </a:r>
+            <a:br>
+              <a:rPr lang="en-US" dirty="0"/>
+            </a:br>
+            <a:r>
+              <a:rPr lang="en-US" dirty="0"/>
+              <a:t>visits is between 0 to 9.</a:t>
             </a:r>
           </a:p>
           <a:p>
@@ -12062,8 +12087,8 @@
         </p:blipFill>
         <p:spPr>
           <a:xfrm>
-            <a:off x="3333750" y="1290637"/>
-            <a:ext cx="5524500" cy="4276725"/>
+            <a:off x="5671977" y="1460310"/>
+            <a:ext cx="6520023" cy="5047397"/>
           </a:xfrm>
           <a:prstGeom prst="rect">
             <a:avLst/>
@@ -12152,7 +12177,21 @@
           <a:p>
             <a:r>
               <a:rPr lang="en-US" dirty="0"/>
-              <a:t>More number of people are unemployed and there are very few businessman and housewife in the given dataset.</a:t>
+              <a:t>More number of people are unemployed and </a:t>
+            </a:r>
+            <a:br>
+              <a:rPr lang="en-US" dirty="0"/>
+            </a:br>
+            <a:r>
+              <a:rPr lang="en-US" dirty="0"/>
+              <a:t>there are very few businessman and housewife </a:t>
+            </a:r>
+            <a:br>
+              <a:rPr lang="en-US" dirty="0"/>
+            </a:br>
+            <a:r>
+              <a:rPr lang="en-US" dirty="0"/>
+              <a:t>in the given dataset.</a:t>
             </a:r>
           </a:p>
           <a:p>
@@ -12182,8 +12221,8 @@
         </p:blipFill>
         <p:spPr>
           <a:xfrm>
-            <a:off x="3333750" y="747712"/>
-            <a:ext cx="5524500" cy="5362575"/>
+            <a:off x="6341660" y="1228299"/>
+            <a:ext cx="5524500" cy="5553963"/>
           </a:xfrm>
           <a:prstGeom prst="rect">
             <a:avLst/>
@@ -12272,7 +12311,21 @@
           <a:p>
             <a:r>
               <a:rPr lang="en-US" dirty="0"/>
-              <a:t>More number of people are from Finance or Human Resource or Marketing management.</a:t>
+              <a:t>More number of people are </a:t>
+            </a:r>
+            <a:br>
+              <a:rPr lang="en-US" dirty="0"/>
+            </a:br>
+            <a:r>
+              <a:rPr lang="en-US" dirty="0"/>
+              <a:t>from Finance or Human Resource </a:t>
+            </a:r>
+            <a:br>
+              <a:rPr lang="en-US" dirty="0"/>
+            </a:br>
+            <a:r>
+              <a:rPr lang="en-US" dirty="0"/>
+              <a:t>or Marketing management.</a:t>
             </a:r>
             <a:endParaRPr lang="en-IN" dirty="0"/>
           </a:p>
@@ -12300,8 +12353,8 @@
         </p:blipFill>
         <p:spPr>
           <a:xfrm>
-            <a:off x="3333750" y="233362"/>
-            <a:ext cx="5524500" cy="6391275"/>
+            <a:off x="5148902" y="-5959"/>
+            <a:ext cx="5933080" cy="6863960"/>
           </a:xfrm>
           <a:prstGeom prst="rect">
             <a:avLst/>
@@ -12390,7 +12443,21 @@
           <a:p>
             <a:r>
               <a:rPr lang="en-US" dirty="0"/>
-              <a:t>There are many users for whom Lead Profile is not determined. There are very few lateral students and students with dual specialization.</a:t>
+              <a:t>There are many users for whom Lead Profile </a:t>
+            </a:r>
+            <a:br>
+              <a:rPr lang="en-US" dirty="0"/>
+            </a:br>
+            <a:r>
+              <a:rPr lang="en-US" dirty="0"/>
+              <a:t>is not determined. There are very few lateral </a:t>
+            </a:r>
+            <a:br>
+              <a:rPr lang="en-US" dirty="0"/>
+            </a:br>
+            <a:r>
+              <a:rPr lang="en-US" dirty="0"/>
+              <a:t>students and students with dual specialization.</a:t>
             </a:r>
           </a:p>
           <a:p>
@@ -12420,8 +12487,8 @@
         </p:blipFill>
         <p:spPr>
           <a:xfrm>
-            <a:off x="3333750" y="523875"/>
-            <a:ext cx="5524500" cy="5810250"/>
+            <a:off x="6096000" y="231112"/>
+            <a:ext cx="6086862" cy="6401700"/>
           </a:xfrm>
           <a:prstGeom prst="rect">
             <a:avLst/>
@@ -12510,7 +12577,21 @@
           <a:p>
             <a:r>
               <a:rPr lang="en-US" dirty="0"/>
-              <a:t>More number of users belongs to Mumbai city. And there are least number of users for Tier II cities.</a:t>
+              <a:t>More number of users belongs to Mumbai </a:t>
+            </a:r>
+            <a:br>
+              <a:rPr lang="en-US" dirty="0"/>
+            </a:br>
+            <a:r>
+              <a:rPr lang="en-US" dirty="0"/>
+              <a:t>city. And there are least number of users </a:t>
+            </a:r>
+            <a:br>
+              <a:rPr lang="en-US" dirty="0"/>
+            </a:br>
+            <a:r>
+              <a:rPr lang="en-US" dirty="0"/>
+              <a:t>for Tier II cities.</a:t>
             </a:r>
             <a:endParaRPr lang="en-IN" dirty="0"/>
           </a:p>
@@ -12538,8 +12619,8 @@
         </p:blipFill>
         <p:spPr>
           <a:xfrm>
-            <a:off x="3333750" y="519112"/>
-            <a:ext cx="5524500" cy="5819775"/>
+            <a:off x="6096000" y="280429"/>
+            <a:ext cx="5977646" cy="6297141"/>
           </a:xfrm>
           <a:prstGeom prst="rect">
             <a:avLst/>
@@ -13086,7 +13167,12 @@
             <p:ph type="title"/>
           </p:nvPr>
         </p:nvSpPr>
-        <p:spPr/>
+        <p:spPr>
+          <a:xfrm>
+            <a:off x="226958" y="377588"/>
+            <a:ext cx="8596668" cy="1320800"/>
+          </a:xfrm>
+        </p:spPr>
         <p:txBody>
           <a:bodyPr/>
           <a:lstStyle/>
@@ -13122,13 +13208,41 @@
           <a:p>
             <a:r>
               <a:rPr lang="en-US" dirty="0"/>
-              <a:t>After replacing the null value with ‘Select’, it is clear that person who hasn’t specified his/her Specialization has low chance of conversion. So, it may not be the case of missing value at random.</a:t>
-            </a:r>
-          </a:p>
-          <a:p>
-            <a:r>
-              <a:rPr lang="en-US" dirty="0"/>
-              <a:t>So, despite having around 36% missing value, this column is not deleted.</a:t>
+              <a:t>After replacing the null value with ‘Select’, </a:t>
+            </a:r>
+            <a:br>
+              <a:rPr lang="en-US" dirty="0"/>
+            </a:br>
+            <a:r>
+              <a:rPr lang="en-US" dirty="0"/>
+              <a:t>it is clear that person who hasn’t specified </a:t>
+            </a:r>
+            <a:br>
+              <a:rPr lang="en-US" dirty="0"/>
+            </a:br>
+            <a:r>
+              <a:rPr lang="en-US" dirty="0"/>
+              <a:t>his/her Specialization has low chance of </a:t>
+            </a:r>
+            <a:br>
+              <a:rPr lang="en-US" dirty="0"/>
+            </a:br>
+            <a:r>
+              <a:rPr lang="en-US" dirty="0"/>
+              <a:t>conversion. So, it may not be the case of missing value at random.</a:t>
+            </a:r>
+          </a:p>
+          <a:p>
+            <a:r>
+              <a:rPr lang="en-US" dirty="0"/>
+              <a:t>So, despite having around 36% missing value, </a:t>
+            </a:r>
+            <a:br>
+              <a:rPr lang="en-US" dirty="0"/>
+            </a:br>
+            <a:r>
+              <a:rPr lang="en-US" dirty="0"/>
+              <a:t>this column is not deleted.</a:t>
             </a:r>
             <a:endParaRPr lang="en-IN" dirty="0"/>
           </a:p>
@@ -13156,8 +13270,8 @@
         </p:blipFill>
         <p:spPr>
           <a:xfrm>
-            <a:off x="3395662" y="257175"/>
-            <a:ext cx="5400675" cy="6343650"/>
+            <a:off x="6434765" y="95534"/>
+            <a:ext cx="5757235" cy="6762466"/>
           </a:xfrm>
           <a:prstGeom prst="rect">
             <a:avLst/>
@@ -13246,7 +13360,28 @@
           <a:p>
             <a:r>
               <a:rPr lang="en-US" dirty="0"/>
-              <a:t>When Lead origin is “Lead Add Form” there is very high chance of conversion, which is close to 93%. So, this variable maybe given more importance while building the model.</a:t>
+              <a:t>When Lead origin is “Lead Add Form” there </a:t>
+            </a:r>
+            <a:br>
+              <a:rPr lang="en-US" dirty="0"/>
+            </a:br>
+            <a:r>
+              <a:rPr lang="en-US" dirty="0"/>
+              <a:t>is very high chance of conversion, which is close </a:t>
+            </a:r>
+            <a:br>
+              <a:rPr lang="en-US" dirty="0"/>
+            </a:br>
+            <a:r>
+              <a:rPr lang="en-US" dirty="0"/>
+              <a:t>to 93%. So, this variable maybe given more </a:t>
+            </a:r>
+            <a:br>
+              <a:rPr lang="en-US" dirty="0"/>
+            </a:br>
+            <a:r>
+              <a:rPr lang="en-US" dirty="0"/>
+              <a:t>importance while building the model.</a:t>
             </a:r>
             <a:endParaRPr lang="en-IN" dirty="0"/>
           </a:p>
@@ -13274,8 +13409,8 @@
         </p:blipFill>
         <p:spPr>
           <a:xfrm>
-            <a:off x="3395662" y="571500"/>
-            <a:ext cx="5400675" cy="5715000"/>
+            <a:off x="6287263" y="609600"/>
+            <a:ext cx="5904738" cy="6248400"/>
           </a:xfrm>
           <a:prstGeom prst="rect">
             <a:avLst/>
@@ -13364,7 +13499,21 @@
           <a:p>
             <a:r>
               <a:rPr lang="en-US" dirty="0"/>
-              <a:t>There is very high percentage of conversion rate when source of leas is either through reference or through </a:t>
+              <a:t>There is very high percentage of conversion rate </a:t>
+            </a:r>
+            <a:br>
+              <a:rPr lang="en-US" dirty="0"/>
+            </a:br>
+            <a:r>
+              <a:rPr lang="en-US" dirty="0"/>
+              <a:t>when source of leas is either through reference </a:t>
+            </a:r>
+            <a:br>
+              <a:rPr lang="en-US" dirty="0"/>
+            </a:br>
+            <a:r>
+              <a:rPr lang="en-US" dirty="0"/>
+              <a:t>or through </a:t>
             </a:r>
             <a:r>
               <a:rPr lang="en-US" dirty="0" err="1"/>
@@ -13400,8 +13549,8 @@
         </p:blipFill>
         <p:spPr>
           <a:xfrm>
-            <a:off x="4432892" y="1027906"/>
-            <a:ext cx="5400675" cy="5162550"/>
+            <a:off x="6202685" y="1132764"/>
+            <a:ext cx="5989315" cy="5725236"/>
           </a:xfrm>
           <a:prstGeom prst="rect">
             <a:avLst/>
@@ -13490,7 +13639,21 @@
           <a:p>
             <a:r>
               <a:rPr lang="en-US" dirty="0"/>
-              <a:t>Person who doesn’t opt for do not email has higher conversion rate compared to person who choose not to receive email which seems logical.</a:t>
+              <a:t>Person who doesn’t opt for do not email has higher</a:t>
+            </a:r>
+            <a:br>
+              <a:rPr lang="en-US" dirty="0"/>
+            </a:br>
+            <a:r>
+              <a:rPr lang="en-US" dirty="0"/>
+              <a:t>conversion rate compared to person who choose </a:t>
+            </a:r>
+            <a:br>
+              <a:rPr lang="en-US" dirty="0"/>
+            </a:br>
+            <a:r>
+              <a:rPr lang="en-US" dirty="0"/>
+              <a:t>not to receive email which seems logical.</a:t>
             </a:r>
             <a:endParaRPr lang="en-IN" dirty="0"/>
           </a:p>
@@ -13518,8 +13681,8 @@
         </p:blipFill>
         <p:spPr>
           <a:xfrm>
-            <a:off x="3352800" y="1371600"/>
-            <a:ext cx="5486400" cy="4114800"/>
+            <a:off x="6705600" y="2047164"/>
+            <a:ext cx="5486400" cy="4810836"/>
           </a:xfrm>
           <a:prstGeom prst="rect">
             <a:avLst/>
@@ -13608,7 +13771,35 @@
           <a:p>
             <a:r>
               <a:rPr lang="en-US" dirty="0"/>
-              <a:t>When user had a phone conversation as last activity, then there is very high chance that lead is converted and on the other hand, when email is bounced, then there is very low chance of conversion.</a:t>
+              <a:t>When user had a phone conversation as last </a:t>
+            </a:r>
+            <a:br>
+              <a:rPr lang="en-US" dirty="0"/>
+            </a:br>
+            <a:r>
+              <a:rPr lang="en-US" dirty="0"/>
+              <a:t>activity, then there is very high chance that </a:t>
+            </a:r>
+            <a:br>
+              <a:rPr lang="en-US" dirty="0"/>
+            </a:br>
+            <a:r>
+              <a:rPr lang="en-US" dirty="0"/>
+              <a:t>lead is converted and on the other hand, </a:t>
+            </a:r>
+            <a:br>
+              <a:rPr lang="en-US" dirty="0"/>
+            </a:br>
+            <a:r>
+              <a:rPr lang="en-US" dirty="0"/>
+              <a:t>when email is bounced, then there is very low</a:t>
+            </a:r>
+            <a:br>
+              <a:rPr lang="en-US" dirty="0"/>
+            </a:br>
+            <a:r>
+              <a:rPr lang="en-US" dirty="0"/>
+              <a:t> chance of conversion.</a:t>
             </a:r>
             <a:endParaRPr lang="en-IN" dirty="0"/>
           </a:p>
@@ -13636,8 +13827,8 @@
         </p:blipFill>
         <p:spPr>
           <a:xfrm>
-            <a:off x="3395662" y="504825"/>
-            <a:ext cx="5400675" cy="5848350"/>
+            <a:off x="6421899" y="609600"/>
+            <a:ext cx="5770102" cy="6248400"/>
           </a:xfrm>
           <a:prstGeom prst="rect">
             <a:avLst/>
@@ -13726,13 +13917,55 @@
           <a:p>
             <a:r>
               <a:rPr lang="en-US" dirty="0"/>
-              <a:t>There are around 29% missing values, which is replaced with ‘Select’ to check conversion rate for missing values.</a:t>
-            </a:r>
-          </a:p>
-          <a:p>
-            <a:r>
-              <a:rPr lang="en-US" dirty="0"/>
-              <a:t>It is clear from the mean values, that when detail of current occupation is missing, there is very low chance of conversion to lead. For housewife and working professional, conversion chance is very high.</a:t>
+              <a:t>There are around 29% missing values, which is </a:t>
+            </a:r>
+            <a:br>
+              <a:rPr lang="en-US" dirty="0"/>
+            </a:br>
+            <a:r>
+              <a:rPr lang="en-US" dirty="0"/>
+              <a:t>replaced with ‘Select’ to check conversion rate </a:t>
+            </a:r>
+            <a:br>
+              <a:rPr lang="en-US" dirty="0"/>
+            </a:br>
+            <a:r>
+              <a:rPr lang="en-US" dirty="0"/>
+              <a:t>for missing values.</a:t>
+            </a:r>
+          </a:p>
+          <a:p>
+            <a:r>
+              <a:rPr lang="en-US" dirty="0"/>
+              <a:t>It is clear from the mean values, that when detail </a:t>
+            </a:r>
+            <a:br>
+              <a:rPr lang="en-US" dirty="0"/>
+            </a:br>
+            <a:r>
+              <a:rPr lang="en-US" dirty="0"/>
+              <a:t>of current occupation is missing, there is very low </a:t>
+            </a:r>
+            <a:br>
+              <a:rPr lang="en-US" dirty="0"/>
+            </a:br>
+            <a:r>
+              <a:rPr lang="en-US" dirty="0"/>
+              <a:t>chance of conversion to lead. For housewife and </a:t>
+            </a:r>
+            <a:br>
+              <a:rPr lang="en-US" dirty="0"/>
+            </a:br>
+            <a:r>
+              <a:rPr lang="en-US" dirty="0"/>
+              <a:t>working professional, conversion chance is very </a:t>
+            </a:r>
+            <a:br>
+              <a:rPr lang="en-US" dirty="0"/>
+            </a:br>
+            <a:r>
+              <a:rPr lang="en-US" dirty="0"/>
+              <a:t>high.</a:t>
             </a:r>
             <a:endParaRPr lang="en-IN" dirty="0"/>
           </a:p>
@@ -13760,7 +13993,7 @@
         </p:blipFill>
         <p:spPr>
           <a:xfrm>
-            <a:off x="3395662" y="747712"/>
+            <a:off x="6791325" y="1495425"/>
             <a:ext cx="5400675" cy="5362575"/>
           </a:xfrm>
           <a:prstGeom prst="rect">
@@ -13850,13 +14083,41 @@
           <a:p>
             <a:r>
               <a:rPr lang="en-US" dirty="0"/>
-              <a:t>There are around 74% missing values, when all null values are replaced with ‘Select’.</a:t>
-            </a:r>
-          </a:p>
-          <a:p>
-            <a:r>
-              <a:rPr lang="en-US" dirty="0"/>
-              <a:t>But other 26% value can provide more useful information because for dual specialization and lateral student, conversion rate is 100%. And for student of some school. Conversion rate is very low.</a:t>
+              <a:t>There are around 74% missing values, when all null </a:t>
+            </a:r>
+            <a:br>
+              <a:rPr lang="en-US" dirty="0"/>
+            </a:br>
+            <a:r>
+              <a:rPr lang="en-US" dirty="0"/>
+              <a:t>values are replaced with ‘Select’.</a:t>
+            </a:r>
+          </a:p>
+          <a:p>
+            <a:r>
+              <a:rPr lang="en-US" dirty="0"/>
+              <a:t>But other 26% value can provide more useful </a:t>
+            </a:r>
+            <a:br>
+              <a:rPr lang="en-US" dirty="0"/>
+            </a:br>
+            <a:r>
+              <a:rPr lang="en-US" dirty="0"/>
+              <a:t>information because for dual specialization and </a:t>
+            </a:r>
+            <a:br>
+              <a:rPr lang="en-US" dirty="0"/>
+            </a:br>
+            <a:r>
+              <a:rPr lang="en-US" dirty="0"/>
+              <a:t>lateral student, conversion rate is 100%. And for </a:t>
+            </a:r>
+            <a:br>
+              <a:rPr lang="en-US" dirty="0"/>
+            </a:br>
+            <a:r>
+              <a:rPr lang="en-US" dirty="0"/>
+              <a:t>student of some school. Conversion rate is very low.</a:t>
             </a:r>
             <a:endParaRPr lang="en-IN" dirty="0"/>
           </a:p>
@@ -13884,8 +14145,8 @@
         </p:blipFill>
         <p:spPr>
           <a:xfrm>
-            <a:off x="3395662" y="523875"/>
-            <a:ext cx="5400675" cy="5810250"/>
+            <a:off x="6791325" y="609600"/>
+            <a:ext cx="5400675" cy="6248400"/>
           </a:xfrm>
           <a:prstGeom prst="rect">
             <a:avLst/>
@@ -13974,7 +14235,21 @@
           <a:p>
             <a:r>
               <a:rPr lang="en-US" dirty="0"/>
-              <a:t>It seems that value of city doesn’t make that much difference in terms of conversion rate, but it is still kept in the dataset.</a:t>
+              <a:t>It seems that value of city doesn’t make that </a:t>
+            </a:r>
+            <a:br>
+              <a:rPr lang="en-US" dirty="0"/>
+            </a:br>
+            <a:r>
+              <a:rPr lang="en-US" dirty="0"/>
+              <a:t>much difference in terms of conversion rate, </a:t>
+            </a:r>
+            <a:br>
+              <a:rPr lang="en-US" dirty="0"/>
+            </a:br>
+            <a:r>
+              <a:rPr lang="en-US" dirty="0"/>
+              <a:t>but it is still kept in the dataset.</a:t>
             </a:r>
             <a:endParaRPr lang="en-IN" dirty="0"/>
           </a:p>
@@ -14002,8 +14277,8 @@
         </p:blipFill>
         <p:spPr>
           <a:xfrm>
-            <a:off x="3395662" y="519112"/>
-            <a:ext cx="5400675" cy="5819775"/>
+            <a:off x="6393567" y="609601"/>
+            <a:ext cx="5798433" cy="6248400"/>
           </a:xfrm>
           <a:prstGeom prst="rect">
             <a:avLst/>
@@ -14120,8 +14395,8 @@
         </p:blipFill>
         <p:spPr>
           <a:xfrm>
-            <a:off x="3352800" y="1371600"/>
-            <a:ext cx="5486400" cy="4114800"/>
+            <a:off x="3064332" y="2977227"/>
+            <a:ext cx="5174365" cy="3880774"/>
           </a:xfrm>
           <a:prstGeom prst="rect">
             <a:avLst/>
@@ -14269,7 +14544,21 @@
           <a:p>
             <a:r>
               <a:rPr lang="en-US" dirty="0"/>
-              <a:t>In case of having last notable activity as having a phone conversation or sending SMS, conversion rate is high.</a:t>
+              <a:t>In case of having last notable activity as having a </a:t>
+            </a:r>
+            <a:br>
+              <a:rPr lang="en-US" dirty="0"/>
+            </a:br>
+            <a:r>
+              <a:rPr lang="en-US" dirty="0"/>
+              <a:t>phone conversation or sending SMS, conversion </a:t>
+            </a:r>
+            <a:br>
+              <a:rPr lang="en-US" dirty="0"/>
+            </a:br>
+            <a:r>
+              <a:rPr lang="en-US" dirty="0"/>
+              <a:t>rate is high.</a:t>
             </a:r>
             <a:endParaRPr lang="en-IN" dirty="0"/>
           </a:p>
@@ -14297,8 +14586,8 @@
         </p:blipFill>
         <p:spPr>
           <a:xfrm>
-            <a:off x="3493827" y="2764307"/>
-            <a:ext cx="3460062" cy="3728568"/>
+            <a:off x="7132355" y="1405719"/>
+            <a:ext cx="5059645" cy="5452281"/>
           </a:xfrm>
           <a:prstGeom prst="rect">
             <a:avLst/>
@@ -14423,8 +14712,8 @@
         </p:blipFill>
         <p:spPr>
           <a:xfrm>
-            <a:off x="3395662" y="1371600"/>
-            <a:ext cx="5400675" cy="4114800"/>
+            <a:off x="5700215" y="3420091"/>
+            <a:ext cx="4412776" cy="3076243"/>
           </a:xfrm>
           <a:prstGeom prst="rect">
             <a:avLst/>
@@ -14453,8 +14742,8 @@
         </p:blipFill>
         <p:spPr>
           <a:xfrm>
-            <a:off x="1913458" y="2062163"/>
-            <a:ext cx="5362575" cy="4114800"/>
+            <a:off x="619115" y="3330054"/>
+            <a:ext cx="4597763" cy="3527946"/>
           </a:xfrm>
           <a:prstGeom prst="rect">
             <a:avLst/>
@@ -14571,8 +14860,8 @@
         </p:blipFill>
         <p:spPr>
           <a:xfrm>
-            <a:off x="3376612" y="1371600"/>
-            <a:ext cx="5438775" cy="4114800"/>
+            <a:off x="5600628" y="3251200"/>
+            <a:ext cx="4334944" cy="3279677"/>
           </a:xfrm>
           <a:prstGeom prst="rect">
             <a:avLst/>
@@ -14601,8 +14890,8 @@
         </p:blipFill>
         <p:spPr>
           <a:xfrm>
-            <a:off x="4807708" y="1704336"/>
-            <a:ext cx="5524500" cy="4114800"/>
+            <a:off x="440122" y="3251200"/>
+            <a:ext cx="4535546" cy="3378200"/>
           </a:xfrm>
           <a:prstGeom prst="rect">
             <a:avLst/>
@@ -14719,8 +15008,8 @@
         </p:blipFill>
         <p:spPr>
           <a:xfrm>
-            <a:off x="3395662" y="1271587"/>
-            <a:ext cx="5400675" cy="4314825"/>
+            <a:off x="5631392" y="3261812"/>
+            <a:ext cx="4161231" cy="3324581"/>
           </a:xfrm>
           <a:prstGeom prst="rect">
             <a:avLst/>
@@ -14749,8 +15038,8 @@
         </p:blipFill>
         <p:spPr>
           <a:xfrm>
-            <a:off x="1831572" y="2062163"/>
-            <a:ext cx="5362575" cy="4114800"/>
+            <a:off x="677334" y="3275461"/>
+            <a:ext cx="4332729" cy="3324581"/>
           </a:xfrm>
           <a:prstGeom prst="rect">
             <a:avLst/>
@@ -14846,8 +15135,18 @@
             <a:pPr lvl="1"/>
             <a:r>
               <a:rPr lang="en-US" dirty="0"/>
-              <a:t>There is high correlation between Page Views Per Visit and </a:t>
-            </a:r>
+              <a:t>There is high correlation between </a:t>
+            </a:r>
+            <a:br>
+              <a:rPr lang="en-US" dirty="0"/>
+            </a:br>
+            <a:r>
+              <a:rPr lang="en-US" dirty="0"/>
+              <a:t>Page Views Per Visit and </a:t>
+            </a:r>
+            <a:br>
+              <a:rPr lang="en-US" dirty="0"/>
+            </a:br>
             <a:r>
               <a:rPr lang="en-US" dirty="0" err="1"/>
               <a:t>TotalVisits</a:t>
@@ -14885,8 +15184,8 @@
         </p:blipFill>
         <p:spPr>
           <a:xfrm>
-            <a:off x="2921260" y="700765"/>
-            <a:ext cx="6349479" cy="5476198"/>
+            <a:off x="5041212" y="643167"/>
+            <a:ext cx="7150788" cy="6167298"/>
           </a:xfrm>
           <a:prstGeom prst="rect">
             <a:avLst/>
@@ -14939,14 +15238,35 @@
             <p:ph type="title"/>
           </p:nvPr>
         </p:nvSpPr>
-        <p:spPr/>
-        <p:txBody>
-          <a:bodyPr/>
+        <p:spPr>
+          <a:xfrm>
+            <a:off x="271107" y="156238"/>
+            <a:ext cx="8596668" cy="1320800"/>
+          </a:xfrm>
+        </p:spPr>
+        <p:txBody>
+          <a:bodyPr>
+            <a:normAutofit fontScale="90000"/>
+          </a:bodyPr>
           <a:lstStyle/>
           <a:p>
             <a:r>
               <a:rPr lang="en-US" dirty="0"/>
-              <a:t>3 Variable correlations – Lead Origin and Lead Source v/s Converted</a:t>
+              <a:t>3 Variable correlations – </a:t>
+            </a:r>
+            <a:br>
+              <a:rPr lang="en-US" dirty="0"/>
+            </a:br>
+            <a:r>
+              <a:rPr lang="en-US" dirty="0"/>
+              <a:t>Lead Origin and Lead </a:t>
+            </a:r>
+            <a:br>
+              <a:rPr lang="en-US" dirty="0"/>
+            </a:br>
+            <a:r>
+              <a:rPr lang="en-US" dirty="0"/>
+              <a:t>Source v/s Converted</a:t>
             </a:r>
             <a:endParaRPr lang="en-IN" dirty="0"/>
           </a:p>
@@ -14968,14 +15288,33 @@
             <p:ph idx="1"/>
           </p:nvPr>
         </p:nvSpPr>
-        <p:spPr/>
+        <p:spPr>
+          <a:xfrm>
+            <a:off x="271107" y="2227133"/>
+            <a:ext cx="8596668" cy="3880773"/>
+          </a:xfrm>
+        </p:spPr>
         <p:txBody>
           <a:bodyPr/>
           <a:lstStyle/>
           <a:p>
             <a:r>
               <a:rPr lang="en-US" dirty="0"/>
-              <a:t>There is 100% conversion, when Origin of lead is through Lead Add Form and Source of Lead is Google. </a:t>
+              <a:t>There is 100% conversion, when Origin of </a:t>
+            </a:r>
+            <a:br>
+              <a:rPr lang="en-US" dirty="0"/>
+            </a:br>
+            <a:r>
+              <a:rPr lang="en-US" dirty="0"/>
+              <a:t>lead is through Lead Add Form and Source </a:t>
+            </a:r>
+            <a:br>
+              <a:rPr lang="en-US" dirty="0"/>
+            </a:br>
+            <a:r>
+              <a:rPr lang="en-US" dirty="0"/>
+              <a:t>of Lead is Google. </a:t>
             </a:r>
             <a:endParaRPr lang="en-IN" dirty="0"/>
           </a:p>
@@ -15003,8 +15342,8 @@
         </p:blipFill>
         <p:spPr>
           <a:xfrm>
-            <a:off x="2771775" y="823912"/>
-            <a:ext cx="6648450" cy="5210175"/>
+            <a:off x="5543550" y="1037231"/>
+            <a:ext cx="6648450" cy="5820770"/>
           </a:xfrm>
           <a:prstGeom prst="rect">
             <a:avLst/>
@@ -15057,7 +15396,12 @@
             <p:ph type="title"/>
           </p:nvPr>
         </p:nvSpPr>
-        <p:spPr/>
+        <p:spPr>
+          <a:xfrm>
+            <a:off x="223393" y="112897"/>
+            <a:ext cx="8596668" cy="1320800"/>
+          </a:xfrm>
+        </p:spPr>
         <p:txBody>
           <a:bodyPr/>
           <a:lstStyle/>
@@ -15086,49 +15430,45 @@
             <p:ph idx="1"/>
           </p:nvPr>
         </p:nvSpPr>
-        <p:spPr/>
+        <p:spPr>
+          <a:xfrm>
+            <a:off x="223393" y="1852059"/>
+            <a:ext cx="8596668" cy="3880773"/>
+          </a:xfrm>
+        </p:spPr>
         <p:txBody>
           <a:bodyPr/>
           <a:lstStyle/>
           <a:p>
             <a:r>
               <a:rPr lang="en-US" dirty="0"/>
-              <a:t>For Dual Specialization student and lateral students, conversion rate is 100%. Conversion rate is also high when lead origin is lead add form.</a:t>
+              <a:t>For Dual Specialization student and lateral </a:t>
+            </a:r>
+            <a:br>
+              <a:rPr lang="en-US" dirty="0"/>
+            </a:br>
+            <a:r>
+              <a:rPr lang="en-US" dirty="0"/>
+              <a:t>students, conversion rate is 100%. </a:t>
+            </a:r>
+            <a:br>
+              <a:rPr lang="en-US" dirty="0"/>
+            </a:br>
+            <a:r>
+              <a:rPr lang="en-US" dirty="0"/>
+              <a:t>Conversion rate is also high when lead </a:t>
+            </a:r>
+            <a:br>
+              <a:rPr lang="en-US" dirty="0"/>
+            </a:br>
+            <a:r>
+              <a:rPr lang="en-US" dirty="0"/>
+              <a:t>origin is lead add form.</a:t>
             </a:r>
             <a:endParaRPr lang="en-IN" dirty="0"/>
           </a:p>
         </p:txBody>
       </p:sp>
-      <p:pic>
-        <p:nvPicPr>
-          <p:cNvPr id="5" name="Picture 4">
-            <a:extLst>
-              <a:ext uri="{FF2B5EF4-FFF2-40B4-BE49-F238E27FC236}">
-                <a16:creationId xmlns:a16="http://schemas.microsoft.com/office/drawing/2014/main" id="{24B49E4F-100F-3A26-D1AB-0F9900E75E17}"/>
-              </a:ext>
-            </a:extLst>
-          </p:cNvPr>
-          <p:cNvPicPr>
-            <a:picLocks noChangeAspect="1"/>
-          </p:cNvPicPr>
-          <p:nvPr/>
-        </p:nvPicPr>
-        <p:blipFill>
-          <a:blip r:embed="rId2"/>
-          <a:stretch>
-            <a:fillRect/>
-          </a:stretch>
-        </p:blipFill>
-        <p:spPr>
-          <a:xfrm>
-            <a:off x="2771775" y="1028140"/>
-            <a:ext cx="6044679" cy="5334559"/>
-          </a:xfrm>
-          <a:prstGeom prst="rect">
-            <a:avLst/>
-          </a:prstGeom>
-        </p:spPr>
-      </p:pic>
       <p:pic>
         <p:nvPicPr>
           <p:cNvPr id="6" name="Picture 5">
@@ -15151,8 +15491,8 @@
         </p:blipFill>
         <p:spPr>
           <a:xfrm>
-            <a:off x="4313972" y="1314743"/>
-            <a:ext cx="6044679" cy="5334559"/>
+            <a:off x="5448123" y="816638"/>
+            <a:ext cx="6743877" cy="5951616"/>
           </a:xfrm>
           <a:prstGeom prst="rect">
             <a:avLst/>
@@ -15205,14 +15545,26 @@
             <p:ph type="title"/>
           </p:nvPr>
         </p:nvSpPr>
-        <p:spPr/>
+        <p:spPr>
+          <a:xfrm>
+            <a:off x="349788" y="64295"/>
+            <a:ext cx="8596668" cy="1320800"/>
+          </a:xfrm>
+        </p:spPr>
         <p:txBody>
           <a:bodyPr/>
           <a:lstStyle/>
           <a:p>
             <a:r>
               <a:rPr lang="en-US" dirty="0"/>
-              <a:t>Lead Source and Lead Profile v/s Converted</a:t>
+              <a:t>Lead Source and Lead Profile </a:t>
+            </a:r>
+            <a:br>
+              <a:rPr lang="en-US" dirty="0"/>
+            </a:br>
+            <a:r>
+              <a:rPr lang="en-US" dirty="0"/>
+              <a:t>v/s Converted</a:t>
             </a:r>
             <a:endParaRPr lang="en-IN" dirty="0"/>
           </a:p>
@@ -15234,14 +15586,33 @@
             <p:ph idx="1"/>
           </p:nvPr>
         </p:nvSpPr>
-        <p:spPr/>
+        <p:spPr>
+          <a:xfrm>
+            <a:off x="349788" y="1793413"/>
+            <a:ext cx="8596668" cy="3880773"/>
+          </a:xfrm>
+        </p:spPr>
         <p:txBody>
           <a:bodyPr/>
           <a:lstStyle/>
           <a:p>
             <a:r>
               <a:rPr lang="en-US" dirty="0"/>
-              <a:t>Conversion rate is 100% for Dual Specialization students and lateral students. When source of lead is through reference or </a:t>
+              <a:t>Conversion rate is 100% for Dual Specialization </a:t>
+            </a:r>
+            <a:br>
+              <a:rPr lang="en-US" dirty="0"/>
+            </a:br>
+            <a:r>
+              <a:rPr lang="en-US" dirty="0"/>
+              <a:t>students and lateral students. When source </a:t>
+            </a:r>
+            <a:br>
+              <a:rPr lang="en-US" dirty="0"/>
+            </a:br>
+            <a:r>
+              <a:rPr lang="en-US" dirty="0"/>
+              <a:t>of lead is through reference or </a:t>
             </a:r>
             <a:r>
               <a:rPr lang="en-US" dirty="0" err="1"/>
@@ -15249,7 +15620,35 @@
             </a:r>
             <a:r>
               <a:rPr lang="en-US" dirty="0"/>
-              <a:t> website, conversion rate is very high. There is 0% conversion rate for student of some school when source of lead is through organic search.</a:t>
+              <a:t> </a:t>
+            </a:r>
+            <a:br>
+              <a:rPr lang="en-US" dirty="0"/>
+            </a:br>
+            <a:r>
+              <a:rPr lang="en-US" dirty="0"/>
+              <a:t>website, conversion rate is very high. There </a:t>
+            </a:r>
+            <a:br>
+              <a:rPr lang="en-US" dirty="0"/>
+            </a:br>
+            <a:r>
+              <a:rPr lang="en-US" dirty="0"/>
+              <a:t>is 0% conversion rate for student of some </a:t>
+            </a:r>
+            <a:br>
+              <a:rPr lang="en-US" dirty="0"/>
+            </a:br>
+            <a:r>
+              <a:rPr lang="en-US" dirty="0"/>
+              <a:t>school when source of lead is through </a:t>
+            </a:r>
+            <a:br>
+              <a:rPr lang="en-US" dirty="0"/>
+            </a:br>
+            <a:r>
+              <a:rPr lang="en-US" dirty="0"/>
+              <a:t>organic search.</a:t>
             </a:r>
             <a:endParaRPr lang="en-IN" dirty="0"/>
           </a:p>
@@ -15277,8 +15676,8 @@
         </p:blipFill>
         <p:spPr>
           <a:xfrm>
-            <a:off x="3028950" y="495300"/>
-            <a:ext cx="6134100" cy="5867400"/>
+            <a:off x="6057900" y="609600"/>
+            <a:ext cx="6134100" cy="6248400"/>
           </a:xfrm>
           <a:prstGeom prst="rect">
             <a:avLst/>
@@ -15331,14 +15730,19 @@
             <p:ph type="title"/>
           </p:nvPr>
         </p:nvSpPr>
-        <p:spPr/>
+        <p:spPr>
+          <a:xfrm>
+            <a:off x="336140" y="66704"/>
+            <a:ext cx="8596668" cy="1320800"/>
+          </a:xfrm>
+        </p:spPr>
         <p:txBody>
           <a:bodyPr/>
           <a:lstStyle/>
           <a:p>
             <a:r>
               <a:rPr lang="en-US" dirty="0"/>
-              <a:t>Specialization and What is your current occupation v/v Converted</a:t>
+              <a:t>Specialization and occupation v/s Converted</a:t>
             </a:r>
             <a:endParaRPr lang="en-IN" dirty="0"/>
           </a:p>
@@ -15360,14 +15764,61 @@
             <p:ph idx="1"/>
           </p:nvPr>
         </p:nvSpPr>
-        <p:spPr/>
+        <p:spPr>
+          <a:xfrm>
+            <a:off x="213310" y="1641974"/>
+            <a:ext cx="8596668" cy="3880773"/>
+          </a:xfrm>
+        </p:spPr>
         <p:txBody>
           <a:bodyPr/>
           <a:lstStyle/>
           <a:p>
             <a:r>
               <a:rPr lang="en-US" dirty="0"/>
-              <a:t>Conversion rate is very low when occupation is ‘Select’ means occupation is not declared by user. And for working professional, generally conversion rate is high.</a:t>
+              <a:t>Conversion rate is very low </a:t>
+            </a:r>
+            <a:br>
+              <a:rPr lang="en-US" dirty="0"/>
+            </a:br>
+            <a:r>
+              <a:rPr lang="en-US" dirty="0"/>
+              <a:t>when occupation is ‘Select’ </a:t>
+            </a:r>
+            <a:br>
+              <a:rPr lang="en-US" dirty="0"/>
+            </a:br>
+            <a:r>
+              <a:rPr lang="en-US" dirty="0"/>
+              <a:t>means occupation is not </a:t>
+            </a:r>
+            <a:br>
+              <a:rPr lang="en-US" dirty="0"/>
+            </a:br>
+            <a:r>
+              <a:rPr lang="en-US" dirty="0"/>
+              <a:t>declared by user. And for </a:t>
+            </a:r>
+            <a:br>
+              <a:rPr lang="en-US" dirty="0"/>
+            </a:br>
+            <a:r>
+              <a:rPr lang="en-US" dirty="0"/>
+              <a:t>working professional, </a:t>
+            </a:r>
+            <a:br>
+              <a:rPr lang="en-US" dirty="0"/>
+            </a:br>
+            <a:r>
+              <a:rPr lang="en-US" dirty="0"/>
+              <a:t>generally conversion rate is </a:t>
+            </a:r>
+            <a:br>
+              <a:rPr lang="en-US" dirty="0"/>
+            </a:br>
+            <a:r>
+              <a:rPr lang="en-US" dirty="0"/>
+              <a:t>high.</a:t>
             </a:r>
             <a:endParaRPr lang="en-IN" dirty="0"/>
           </a:p>
@@ -15395,8 +15846,8 @@
         </p:blipFill>
         <p:spPr>
           <a:xfrm>
-            <a:off x="2438400" y="719137"/>
-            <a:ext cx="7315200" cy="5419725"/>
+            <a:off x="3916907" y="727104"/>
+            <a:ext cx="8275093" cy="6130896"/>
           </a:xfrm>
           <a:prstGeom prst="rect">
             <a:avLst/>
@@ -15485,7 +15936,21 @@
           <a:p>
             <a:r>
               <a:rPr lang="en-US" dirty="0"/>
-              <a:t>When user preferred not receive Email and also has free copy of mastering the interview, then conversion rate is low.</a:t>
+              <a:t>When user preferred not receive Email and </a:t>
+            </a:r>
+            <a:br>
+              <a:rPr lang="en-US" dirty="0"/>
+            </a:br>
+            <a:r>
+              <a:rPr lang="en-US" dirty="0"/>
+              <a:t>also has free copy of mastering the interview, </a:t>
+            </a:r>
+            <a:br>
+              <a:rPr lang="en-US" dirty="0"/>
+            </a:br>
+            <a:r>
+              <a:rPr lang="en-US" dirty="0"/>
+              <a:t>then conversion rate is low.</a:t>
             </a:r>
             <a:endParaRPr lang="en-IN" dirty="0"/>
           </a:p>
@@ -15513,38 +15978,8 @@
         </p:blipFill>
         <p:spPr>
           <a:xfrm>
-            <a:off x="3505200" y="1366837"/>
-            <a:ext cx="5181600" cy="4124325"/>
-          </a:xfrm>
-          <a:prstGeom prst="rect">
-            <a:avLst/>
-          </a:prstGeom>
-        </p:spPr>
-      </p:pic>
-      <p:pic>
-        <p:nvPicPr>
-          <p:cNvPr id="6" name="Picture 5">
-            <a:extLst>
-              <a:ext uri="{FF2B5EF4-FFF2-40B4-BE49-F238E27FC236}">
-                <a16:creationId xmlns:a16="http://schemas.microsoft.com/office/drawing/2014/main" id="{86FE2C24-58C9-79F9-4727-207253A057EF}"/>
-              </a:ext>
-            </a:extLst>
-          </p:cNvPr>
-          <p:cNvPicPr>
-            <a:picLocks noChangeAspect="1"/>
-          </p:cNvPicPr>
-          <p:nvPr/>
-        </p:nvPicPr>
-        <p:blipFill>
-          <a:blip r:embed="rId2"/>
-          <a:stretch>
-            <a:fillRect/>
-          </a:stretch>
-        </p:blipFill>
-        <p:spPr>
-          <a:xfrm>
-            <a:off x="4678907" y="1230359"/>
-            <a:ext cx="5181600" cy="4124325"/>
+            <a:off x="6542269" y="2361063"/>
+            <a:ext cx="5649731" cy="4496937"/>
           </a:xfrm>
           <a:prstGeom prst="rect">
             <a:avLst/>
@@ -15633,9 +16068,6 @@
           </a:bodyPr>
           <a:lstStyle/>
           <a:p>
-            <a:pPr marL="0" indent="0">
-              <a:buNone/>
-            </a:pPr>
             <a:r>
               <a:rPr lang="en-IN" sz="2800" b="1" dirty="0">
                 <a:solidFill>
@@ -15739,7 +16171,12 @@
             <p:ph type="title"/>
           </p:nvPr>
         </p:nvSpPr>
-        <p:spPr/>
+        <p:spPr>
+          <a:xfrm>
+            <a:off x="513561" y="23151"/>
+            <a:ext cx="8596668" cy="1320800"/>
+          </a:xfrm>
+        </p:spPr>
         <p:txBody>
           <a:bodyPr/>
           <a:lstStyle/>
@@ -15768,22 +16205,47 @@
             <p:ph idx="1"/>
           </p:nvPr>
         </p:nvSpPr>
-        <p:spPr/>
+        <p:spPr>
+          <a:xfrm>
+            <a:off x="363436" y="1614679"/>
+            <a:ext cx="8596668" cy="3880773"/>
+          </a:xfrm>
+        </p:spPr>
         <p:txBody>
           <a:bodyPr/>
           <a:lstStyle/>
           <a:p>
             <a:r>
               <a:rPr lang="en-US" dirty="0"/>
-              <a:t>For working professional, generally the conversion rate is higher. And when occupation is ‘Select’ which means occupation is nod </a:t>
-            </a:r>
-            <a:r>
-              <a:rPr lang="en-US" dirty="0" err="1"/>
-              <a:t>declated</a:t>
-            </a:r>
-            <a:r>
-              <a:rPr lang="en-US" dirty="0"/>
-              <a:t>, then conversion rate is very low.</a:t>
+              <a:t>For working professional, generally </a:t>
+            </a:r>
+            <a:br>
+              <a:rPr lang="en-US" dirty="0"/>
+            </a:br>
+            <a:r>
+              <a:rPr lang="en-US" dirty="0"/>
+              <a:t>the conversion rate is higher. And </a:t>
+            </a:r>
+            <a:br>
+              <a:rPr lang="en-US" dirty="0"/>
+            </a:br>
+            <a:r>
+              <a:rPr lang="en-US" dirty="0"/>
+              <a:t>when occupation is ‘Select’ which </a:t>
+            </a:r>
+            <a:br>
+              <a:rPr lang="en-US" dirty="0"/>
+            </a:br>
+            <a:r>
+              <a:rPr lang="en-US" dirty="0"/>
+              <a:t>means occupation is nod declared, </a:t>
+            </a:r>
+            <a:br>
+              <a:rPr lang="en-US" dirty="0"/>
+            </a:br>
+            <a:r>
+              <a:rPr lang="en-US" dirty="0"/>
+              <a:t>then conversion rate is very low.</a:t>
             </a:r>
             <a:endParaRPr lang="en-IN" dirty="0"/>
           </a:p>
@@ -15811,8 +16273,8 @@
         </p:blipFill>
         <p:spPr>
           <a:xfrm>
-            <a:off x="2700337" y="719137"/>
-            <a:ext cx="6791325" cy="5419725"/>
+            <a:off x="4949441" y="1078173"/>
+            <a:ext cx="7242560" cy="5779827"/>
           </a:xfrm>
           <a:prstGeom prst="rect">
             <a:avLst/>
@@ -15883,31 +16345,6 @@
           </a:p>
         </p:txBody>
       </p:sp>
-      <p:sp>
-        <p:nvSpPr>
-          <p:cNvPr id="3" name="Subtitle 2">
-            <a:extLst>
-              <a:ext uri="{FF2B5EF4-FFF2-40B4-BE49-F238E27FC236}">
-                <a16:creationId xmlns:a16="http://schemas.microsoft.com/office/drawing/2014/main" id="{BE32C521-0FA3-39D1-70F4-C90E17517129}"/>
-              </a:ext>
-            </a:extLst>
-          </p:cNvPr>
-          <p:cNvSpPr>
-            <a:spLocks noGrp="1"/>
-          </p:cNvSpPr>
-          <p:nvPr>
-            <p:ph type="subTitle" idx="1"/>
-          </p:nvPr>
-        </p:nvSpPr>
-        <p:spPr/>
-        <p:txBody>
-          <a:bodyPr/>
-          <a:lstStyle/>
-          <a:p>
-            <a:endParaRPr lang="en-IN"/>
-          </a:p>
-        </p:txBody>
-      </p:sp>
     </p:spTree>
     <p:extLst>
       <p:ext uri="{BB962C8B-B14F-4D97-AF65-F5344CB8AC3E}">
@@ -15956,9 +16393,15 @@
         </p:nvSpPr>
         <p:spPr/>
         <p:txBody>
-          <a:bodyPr/>
+          <a:bodyPr>
+            <a:normAutofit/>
+          </a:bodyPr>
           <a:lstStyle/>
           <a:p>
+            <a:r>
+              <a:rPr lang="en-US" dirty="0"/>
+              <a:t>3) Pre-processing the data for Model Building</a:t>
+            </a:r>
             <a:endParaRPr lang="en-IN" dirty="0"/>
           </a:p>
         </p:txBody>
@@ -15981,42 +16424,38 @@
         </p:nvSpPr>
         <p:spPr/>
         <p:txBody>
-          <a:bodyPr/>
+          <a:bodyPr>
+            <a:normAutofit/>
+          </a:bodyPr>
           <a:lstStyle/>
           <a:p>
-            <a:r>
-              <a:rPr lang="en-US" dirty="0"/>
-              <a:t>3) Pre-processing the data for Model Building</a:t>
-            </a:r>
-          </a:p>
-          <a:p>
             <a:pPr lvl="1"/>
             <a:r>
-              <a:rPr lang="en-US" dirty="0"/>
-              <a:t>It id divided into 3 parts:</a:t>
-            </a:r>
-          </a:p>
-          <a:p>
-            <a:pPr lvl="1"/>
-            <a:r>
-              <a:rPr lang="en-US" dirty="0"/>
+              <a:rPr lang="en-US" sz="2400" dirty="0"/>
+              <a:t>It is divided into 3 parts:</a:t>
+            </a:r>
+          </a:p>
+          <a:p>
+            <a:pPr lvl="2"/>
+            <a:r>
+              <a:rPr lang="en-US" sz="2000" dirty="0"/>
               <a:t>1) Creating Dummy Variables for Categorical Columns</a:t>
             </a:r>
           </a:p>
           <a:p>
-            <a:pPr lvl="1"/>
-            <a:r>
-              <a:rPr lang="en-US" dirty="0"/>
+            <a:pPr lvl="2"/>
+            <a:r>
+              <a:rPr lang="en-US" sz="2000" dirty="0"/>
               <a:t>2) Splitting data into train and test set</a:t>
             </a:r>
           </a:p>
           <a:p>
-            <a:pPr lvl="1"/>
-            <a:r>
-              <a:rPr lang="en-US" dirty="0"/>
+            <a:pPr lvl="2"/>
+            <a:r>
+              <a:rPr lang="en-US" sz="2000" dirty="0"/>
               <a:t>3) Scaling of Data</a:t>
             </a:r>
-            <a:endParaRPr lang="en-IN" dirty="0"/>
+            <a:endParaRPr lang="en-IN" sz="2000" dirty="0"/>
           </a:p>
         </p:txBody>
       </p:sp>
@@ -16434,31 +16873,6 @@
           </a:p>
         </p:txBody>
       </p:sp>
-      <p:sp>
-        <p:nvSpPr>
-          <p:cNvPr id="3" name="Subtitle 2">
-            <a:extLst>
-              <a:ext uri="{FF2B5EF4-FFF2-40B4-BE49-F238E27FC236}">
-                <a16:creationId xmlns:a16="http://schemas.microsoft.com/office/drawing/2014/main" id="{E46DDF70-656B-D981-11BE-4A82D3136D63}"/>
-              </a:ext>
-            </a:extLst>
-          </p:cNvPr>
-          <p:cNvSpPr>
-            <a:spLocks noGrp="1"/>
-          </p:cNvSpPr>
-          <p:nvPr>
-            <p:ph type="subTitle" idx="1"/>
-          </p:nvPr>
-        </p:nvSpPr>
-        <p:spPr/>
-        <p:txBody>
-          <a:bodyPr/>
-          <a:lstStyle/>
-          <a:p>
-            <a:endParaRPr lang="en-IN"/>
-          </a:p>
-        </p:txBody>
-      </p:sp>
     </p:spTree>
     <p:extLst>
       <p:ext uri="{BB962C8B-B14F-4D97-AF65-F5344CB8AC3E}">
@@ -16547,7 +16961,13 @@
           <a:p>
             <a:r>
               <a:rPr lang="en-US" dirty="0"/>
-              <a:t>Earlier, the model is build with high number of features to get idea about which parameter is important for building the model.</a:t>
+              <a:t>Earlier, the model is build with high number of features around 20.</a:t>
+            </a:r>
+          </a:p>
+          <a:p>
+            <a:r>
+              <a:rPr lang="en-US" dirty="0"/>
+              <a:t>Functions are created to fit the model and get the summary of the model. So, we don’t need to repeatedly write the same code.</a:t>
             </a:r>
             <a:endParaRPr lang="en-IN" dirty="0"/>
           </a:p>
@@ -16819,7 +17239,7 @@
           <a:lstStyle/>
           <a:p>
             <a:r>
-              <a:rPr lang="en-IN" b="1" dirty="0">
+              <a:rPr lang="en-IN" sz="2400" b="1" dirty="0">
                 <a:solidFill>
                   <a:schemeClr val="accent2"/>
                 </a:solidFill>
@@ -16915,12 +17335,6 @@
           </a:bodyPr>
           <a:lstStyle/>
           <a:p>
-            <a:br>
-              <a:rPr lang="en-US" dirty="0"/>
-            </a:br>
-            <a:br>
-              <a:rPr lang="en-US" dirty="0"/>
-            </a:br>
             <a:r>
               <a:rPr lang="en-US" dirty="0"/>
               <a:t>Model – 3: With dropping </a:t>
@@ -17076,12 +17490,6 @@
           </a:bodyPr>
           <a:lstStyle/>
           <a:p>
-            <a:br>
-              <a:rPr lang="en-US" dirty="0"/>
-            </a:br>
-            <a:br>
-              <a:rPr lang="en-US" dirty="0"/>
-            </a:br>
             <a:r>
               <a:rPr lang="en-US" dirty="0"/>
               <a:t>Model – 4: With dropping Last Notable </a:t>
@@ -17234,9 +17642,6 @@
           </a:bodyPr>
           <a:lstStyle/>
           <a:p>
-            <a:br>
-              <a:rPr lang="en-US" dirty="0"/>
-            </a:br>
             <a:r>
               <a:rPr lang="en-US" dirty="0"/>
               <a:t>Model -  5: After dropping Lead </a:t>
@@ -17376,13 +17781,13 @@
           </a:bodyPr>
           <a:lstStyle/>
           <a:p>
+            <a:r>
+              <a:rPr lang="en-US" dirty="0"/>
+              <a:t>Model – 6: Final Model (After dropping Lead </a:t>
+            </a:r>
             <a:br>
               <a:rPr lang="en-US" dirty="0"/>
             </a:br>
-            <a:r>
-              <a:rPr lang="en-US" dirty="0"/>
-              <a:t>Model – 6: Final Model (After dropping Lead </a:t>
-            </a:r>
             <a:r>
               <a:rPr lang="en-US" dirty="0" err="1"/>
               <a:t>Profile_Dual</a:t>
@@ -17533,13 +17938,13 @@
             <p:ph idx="1"/>
             <p:extLst>
               <p:ext uri="{D42A27DB-BD31-4B8C-83A1-F6EECF244321}">
-                <p14:modId xmlns:p14="http://schemas.microsoft.com/office/powerpoint/2010/main" val="2117611018"/>
+                <p14:modId xmlns:p14="http://schemas.microsoft.com/office/powerpoint/2010/main" val="3786662917"/>
               </p:ext>
             </p:extLst>
           </p:nvPr>
         </p:nvGraphicFramePr>
         <p:xfrm>
-          <a:off x="838200" y="1825625"/>
+          <a:off x="1233985" y="1484431"/>
           <a:ext cx="7010400" cy="4958080"/>
         </p:xfrm>
         <a:graphic>
@@ -18210,31 +18615,6 @@
           </a:p>
         </p:txBody>
       </p:sp>
-      <p:sp>
-        <p:nvSpPr>
-          <p:cNvPr id="3" name="Subtitle 2">
-            <a:extLst>
-              <a:ext uri="{FF2B5EF4-FFF2-40B4-BE49-F238E27FC236}">
-                <a16:creationId xmlns:a16="http://schemas.microsoft.com/office/drawing/2014/main" id="{4BA44E13-0C37-7F31-D9B1-3E76A09435F5}"/>
-              </a:ext>
-            </a:extLst>
-          </p:cNvPr>
-          <p:cNvSpPr>
-            <a:spLocks noGrp="1"/>
-          </p:cNvSpPr>
-          <p:nvPr>
-            <p:ph type="subTitle" idx="1"/>
-          </p:nvPr>
-        </p:nvSpPr>
-        <p:spPr/>
-        <p:txBody>
-          <a:bodyPr/>
-          <a:lstStyle/>
-          <a:p>
-            <a:endParaRPr lang="en-IN" dirty="0"/>
-          </a:p>
-        </p:txBody>
-      </p:sp>
     </p:spTree>
     <p:extLst>
       <p:ext uri="{BB962C8B-B14F-4D97-AF65-F5344CB8AC3E}">
@@ -18861,7 +19241,12 @@
             <p:ph idx="1"/>
           </p:nvPr>
         </p:nvSpPr>
-        <p:spPr/>
+        <p:spPr>
+          <a:xfrm>
+            <a:off x="677334" y="1488613"/>
+            <a:ext cx="8596668" cy="3880773"/>
+          </a:xfrm>
+        </p:spPr>
         <p:txBody>
           <a:bodyPr/>
           <a:lstStyle/>
@@ -18896,7 +19281,7 @@
         </p:blipFill>
         <p:spPr>
           <a:xfrm>
-            <a:off x="5650244" y="1541344"/>
+            <a:off x="3166351" y="2160589"/>
             <a:ext cx="4467225" cy="4457700"/>
           </a:xfrm>
           <a:prstGeom prst="rect">
@@ -19009,14 +19394,19 @@
             <p:ph type="title"/>
           </p:nvPr>
         </p:nvSpPr>
-        <p:spPr/>
+        <p:spPr>
+          <a:xfrm>
+            <a:off x="240604" y="274472"/>
+            <a:ext cx="9503895" cy="1320800"/>
+          </a:xfrm>
+        </p:spPr>
         <p:txBody>
           <a:bodyPr/>
           <a:lstStyle/>
           <a:p>
             <a:r>
               <a:rPr lang="en-US" dirty="0"/>
-              <a:t>Value of evaluation metrics with different cut-offs</a:t>
+              <a:t>Evaluation metrics with different cut-offs</a:t>
             </a:r>
             <a:endParaRPr lang="en-IN" dirty="0"/>
           </a:p>
@@ -19038,14 +19428,14 @@
             <p:ph idx="1"/>
             <p:extLst>
               <p:ext uri="{D42A27DB-BD31-4B8C-83A1-F6EECF244321}">
-                <p14:modId xmlns:p14="http://schemas.microsoft.com/office/powerpoint/2010/main" val="189944782"/>
+                <p14:modId xmlns:p14="http://schemas.microsoft.com/office/powerpoint/2010/main" val="960322137"/>
               </p:ext>
             </p:extLst>
           </p:nvPr>
         </p:nvGraphicFramePr>
         <p:xfrm>
-          <a:off x="627796" y="1607167"/>
-          <a:ext cx="6794472" cy="6400800"/>
+          <a:off x="1246242" y="1528548"/>
+          <a:ext cx="7492620" cy="4394580"/>
         </p:xfrm>
         <a:graphic>
           <a:graphicData uri="http://schemas.openxmlformats.org/drawingml/2006/table">
@@ -19054,42 +19444,42 @@
                 <a:tableStyleId>{5C22544A-7EE6-4342-B048-85BDC9FD1C3A}</a:tableStyleId>
               </a:tblPr>
               <a:tblGrid>
-                <a:gridCol w="1132412">
+                <a:gridCol w="1093066">
                   <a:extLst>
                     <a:ext uri="{9D8B030D-6E8A-4147-A177-3AD203B41FA5}">
                       <a16:colId xmlns:a16="http://schemas.microsoft.com/office/drawing/2014/main" val="992568136"/>
                     </a:ext>
                   </a:extLst>
                 </a:gridCol>
-                <a:gridCol w="1132412">
+                <a:gridCol w="1344045">
                   <a:extLst>
                     <a:ext uri="{9D8B030D-6E8A-4147-A177-3AD203B41FA5}">
                       <a16:colId xmlns:a16="http://schemas.microsoft.com/office/drawing/2014/main" val="3692442359"/>
                     </a:ext>
                   </a:extLst>
                 </a:gridCol>
-                <a:gridCol w="1132412">
+                <a:gridCol w="1356877">
                   <a:extLst>
                     <a:ext uri="{9D8B030D-6E8A-4147-A177-3AD203B41FA5}">
                       <a16:colId xmlns:a16="http://schemas.microsoft.com/office/drawing/2014/main" val="2613516775"/>
                     </a:ext>
                   </a:extLst>
                 </a:gridCol>
-                <a:gridCol w="1132412">
+                <a:gridCol w="1343705">
                   <a:extLst>
                     <a:ext uri="{9D8B030D-6E8A-4147-A177-3AD203B41FA5}">
                       <a16:colId xmlns:a16="http://schemas.microsoft.com/office/drawing/2014/main" val="3017760079"/>
                     </a:ext>
                   </a:extLst>
                 </a:gridCol>
-                <a:gridCol w="1284299">
+                <a:gridCol w="1211969">
                   <a:extLst>
                     <a:ext uri="{9D8B030D-6E8A-4147-A177-3AD203B41FA5}">
                       <a16:colId xmlns:a16="http://schemas.microsoft.com/office/drawing/2014/main" val="3891751678"/>
                     </a:ext>
                   </a:extLst>
                 </a:gridCol>
-                <a:gridCol w="980525">
+                <a:gridCol w="1142958">
                   <a:extLst>
                     <a:ext uri="{9D8B030D-6E8A-4147-A177-3AD203B41FA5}">
                       <a16:colId xmlns:a16="http://schemas.microsoft.com/office/drawing/2014/main" val="2051175032"/>
@@ -19097,7 +19487,7 @@
                   </a:extLst>
                 </a:gridCol>
               </a:tblGrid>
-              <a:tr h="302438">
+              <a:tr h="665404">
                 <a:tc>
                   <a:txBody>
                     <a:bodyPr/>
@@ -19188,7 +19578,7 @@
                   </a:ext>
                 </a:extLst>
               </a:tr>
-              <a:tr h="302438">
+              <a:tr h="440066">
                 <a:tc>
                   <a:txBody>
                     <a:bodyPr/>
@@ -19319,7 +19709,7 @@
                   </a:ext>
                 </a:extLst>
               </a:tr>
-              <a:tr h="302438">
+              <a:tr h="409432">
                 <a:tc>
                   <a:txBody>
                     <a:bodyPr/>
@@ -19450,7 +19840,7 @@
                   </a:ext>
                 </a:extLst>
               </a:tr>
-              <a:tr h="302438">
+              <a:tr h="436729">
                 <a:tc>
                   <a:txBody>
                     <a:bodyPr/>
@@ -19581,7 +19971,7 @@
                   </a:ext>
                 </a:extLst>
               </a:tr>
-              <a:tr h="302438">
+              <a:tr h="423080">
                 <a:tc>
                   <a:txBody>
                     <a:bodyPr/>
@@ -19712,7 +20102,7 @@
                   </a:ext>
                 </a:extLst>
               </a:tr>
-              <a:tr h="302438">
+              <a:tr h="395785">
                 <a:tc>
                   <a:txBody>
                     <a:bodyPr/>
@@ -19843,7 +20233,7 @@
                   </a:ext>
                 </a:extLst>
               </a:tr>
-              <a:tr h="302438">
+              <a:tr h="409433">
                 <a:tc>
                   <a:txBody>
                     <a:bodyPr/>
@@ -19974,7 +20364,7 @@
                   </a:ext>
                 </a:extLst>
               </a:tr>
-              <a:tr h="302438">
+              <a:tr h="409433">
                 <a:tc>
                   <a:txBody>
                     <a:bodyPr/>
@@ -20105,7 +20495,7 @@
                   </a:ext>
                 </a:extLst>
               </a:tr>
-              <a:tr h="302438">
+              <a:tr h="412769">
                 <a:tc>
                   <a:txBody>
                     <a:bodyPr/>
@@ -20236,7 +20626,7 @@
                   </a:ext>
                 </a:extLst>
               </a:tr>
-              <a:tr h="302438">
+              <a:tr h="392449">
                 <a:tc>
                   <a:txBody>
                     <a:bodyPr/>
@@ -20446,7 +20836,12 @@
             <p:ph idx="1"/>
           </p:nvPr>
         </p:nvSpPr>
-        <p:spPr/>
+        <p:spPr>
+          <a:xfrm>
+            <a:off x="554504" y="1751156"/>
+            <a:ext cx="8596668" cy="3880773"/>
+          </a:xfrm>
+        </p:spPr>
         <p:txBody>
           <a:bodyPr/>
           <a:lstStyle/>
@@ -20564,7 +20959,12 @@
             <p:ph idx="1"/>
           </p:nvPr>
         </p:nvSpPr>
-        <p:spPr/>
+        <p:spPr>
+          <a:xfrm>
+            <a:off x="677334" y="1628326"/>
+            <a:ext cx="8596668" cy="3880773"/>
+          </a:xfrm>
+        </p:spPr>
         <p:txBody>
           <a:bodyPr/>
           <a:lstStyle/>
@@ -20599,7 +20999,7 @@
         </p:blipFill>
         <p:spPr>
           <a:xfrm>
-            <a:off x="3490912" y="1347787"/>
+            <a:off x="2917998" y="2316778"/>
             <a:ext cx="5210175" cy="4162425"/>
           </a:xfrm>
           <a:prstGeom prst="rect">
@@ -20710,14 +21110,14 @@
           <p:nvPr>
             <p:extLst>
               <p:ext uri="{D42A27DB-BD31-4B8C-83A1-F6EECF244321}">
-                <p14:modId xmlns:p14="http://schemas.microsoft.com/office/powerpoint/2010/main" val="41949324"/>
+                <p14:modId xmlns:p14="http://schemas.microsoft.com/office/powerpoint/2010/main" val="59431858"/>
               </p:ext>
             </p:extLst>
           </p:nvPr>
         </p:nvGraphicFramePr>
         <p:xfrm>
-          <a:off x="947382" y="3285446"/>
-          <a:ext cx="8128000" cy="2595880"/>
+          <a:off x="2011907" y="3244502"/>
+          <a:ext cx="5303293" cy="2595880"/>
         </p:xfrm>
         <a:graphic>
           <a:graphicData uri="http://schemas.openxmlformats.org/drawingml/2006/table">
@@ -20726,14 +21126,14 @@
                 <a:tableStyleId>{5C22544A-7EE6-4342-B048-85BDC9FD1C3A}</a:tableStyleId>
               </a:tblPr>
               <a:tblGrid>
-                <a:gridCol w="4064000">
+                <a:gridCol w="2328081">
                   <a:extLst>
                     <a:ext uri="{9D8B030D-6E8A-4147-A177-3AD203B41FA5}">
                       <a16:colId xmlns:a16="http://schemas.microsoft.com/office/drawing/2014/main" val="3754324561"/>
                     </a:ext>
                   </a:extLst>
                 </a:gridCol>
-                <a:gridCol w="4064000">
+                <a:gridCol w="2975212">
                   <a:extLst>
                     <a:ext uri="{9D8B030D-6E8A-4147-A177-3AD203B41FA5}">
                       <a16:colId xmlns:a16="http://schemas.microsoft.com/office/drawing/2014/main" val="2331678079"/>
@@ -21150,14 +21550,14 @@
           <p:nvPr>
             <p:extLst>
               <p:ext uri="{D42A27DB-BD31-4B8C-83A1-F6EECF244321}">
-                <p14:modId xmlns:p14="http://schemas.microsoft.com/office/powerpoint/2010/main" val="78104074"/>
+                <p14:modId xmlns:p14="http://schemas.microsoft.com/office/powerpoint/2010/main" val="2491639229"/>
               </p:ext>
             </p:extLst>
           </p:nvPr>
         </p:nvGraphicFramePr>
         <p:xfrm>
-          <a:off x="838200" y="2930604"/>
-          <a:ext cx="8128000" cy="2595880"/>
+          <a:off x="2107442" y="3812148"/>
+          <a:ext cx="5289645" cy="2595880"/>
         </p:xfrm>
         <a:graphic>
           <a:graphicData uri="http://schemas.openxmlformats.org/drawingml/2006/table">
@@ -21166,14 +21566,14 @@
                 <a:tableStyleId>{5C22544A-7EE6-4342-B048-85BDC9FD1C3A}</a:tableStyleId>
               </a:tblPr>
               <a:tblGrid>
-                <a:gridCol w="4064000">
+                <a:gridCol w="2341729">
                   <a:extLst>
                     <a:ext uri="{9D8B030D-6E8A-4147-A177-3AD203B41FA5}">
                       <a16:colId xmlns:a16="http://schemas.microsoft.com/office/drawing/2014/main" val="3754324561"/>
                     </a:ext>
                   </a:extLst>
                 </a:gridCol>
-                <a:gridCol w="4064000">
+                <a:gridCol w="2947916">
                   <a:extLst>
                     <a:ext uri="{9D8B030D-6E8A-4147-A177-3AD203B41FA5}">
                       <a16:colId xmlns:a16="http://schemas.microsoft.com/office/drawing/2014/main" val="2331678079"/>
@@ -21537,31 +21937,6 @@
           </a:p>
         </p:txBody>
       </p:sp>
-      <p:sp>
-        <p:nvSpPr>
-          <p:cNvPr id="3" name="Subtitle 2">
-            <a:extLst>
-              <a:ext uri="{FF2B5EF4-FFF2-40B4-BE49-F238E27FC236}">
-                <a16:creationId xmlns:a16="http://schemas.microsoft.com/office/drawing/2014/main" id="{0ADC02DF-5777-C400-2E3A-5711C2E9CFB0}"/>
-              </a:ext>
-            </a:extLst>
-          </p:cNvPr>
-          <p:cNvSpPr>
-            <a:spLocks noGrp="1"/>
-          </p:cNvSpPr>
-          <p:nvPr>
-            <p:ph type="subTitle" idx="1"/>
-          </p:nvPr>
-        </p:nvSpPr>
-        <p:spPr/>
-        <p:txBody>
-          <a:bodyPr/>
-          <a:lstStyle/>
-          <a:p>
-            <a:endParaRPr lang="en-IN"/>
-          </a:p>
-        </p:txBody>
-      </p:sp>
     </p:spTree>
     <p:extLst>
       <p:ext uri="{BB962C8B-B14F-4D97-AF65-F5344CB8AC3E}">
@@ -21771,14 +22146,14 @@
           <p:nvPr>
             <p:extLst>
               <p:ext uri="{D42A27DB-BD31-4B8C-83A1-F6EECF244321}">
-                <p14:modId xmlns:p14="http://schemas.microsoft.com/office/powerpoint/2010/main" val="491776769"/>
+                <p14:modId xmlns:p14="http://schemas.microsoft.com/office/powerpoint/2010/main" val="2941503730"/>
               </p:ext>
             </p:extLst>
           </p:nvPr>
         </p:nvGraphicFramePr>
         <p:xfrm>
-          <a:off x="3710674" y="2989809"/>
-          <a:ext cx="8128000" cy="2595880"/>
+          <a:off x="2249149" y="3058048"/>
+          <a:ext cx="5243472" cy="2595880"/>
         </p:xfrm>
         <a:graphic>
           <a:graphicData uri="http://schemas.openxmlformats.org/drawingml/2006/table">
@@ -21787,14 +22162,14 @@
                 <a:tableStyleId>{5C22544A-7EE6-4342-B048-85BDC9FD1C3A}</a:tableStyleId>
               </a:tblPr>
               <a:tblGrid>
-                <a:gridCol w="4064000">
+                <a:gridCol w="2172726">
                   <a:extLst>
                     <a:ext uri="{9D8B030D-6E8A-4147-A177-3AD203B41FA5}">
                       <a16:colId xmlns:a16="http://schemas.microsoft.com/office/drawing/2014/main" val="281683923"/>
                     </a:ext>
                   </a:extLst>
                 </a:gridCol>
-                <a:gridCol w="4064000">
+                <a:gridCol w="3070746">
                   <a:extLst>
                     <a:ext uri="{9D8B030D-6E8A-4147-A177-3AD203B41FA5}">
                       <a16:colId xmlns:a16="http://schemas.microsoft.com/office/drawing/2014/main" val="2955414041"/>
@@ -22174,14 +22549,14 @@
             <p:ph idx="1"/>
             <p:extLst>
               <p:ext uri="{D42A27DB-BD31-4B8C-83A1-F6EECF244321}">
-                <p14:modId xmlns:p14="http://schemas.microsoft.com/office/powerpoint/2010/main" val="1574310574"/>
+                <p14:modId xmlns:p14="http://schemas.microsoft.com/office/powerpoint/2010/main" val="1573390574"/>
               </p:ext>
             </p:extLst>
           </p:nvPr>
         </p:nvGraphicFramePr>
         <p:xfrm>
-          <a:off x="838200" y="1825625"/>
-          <a:ext cx="8128000" cy="2966720"/>
+          <a:off x="578893" y="2576252"/>
+          <a:ext cx="4143233" cy="2966720"/>
         </p:xfrm>
         <a:graphic>
           <a:graphicData uri="http://schemas.openxmlformats.org/drawingml/2006/table">
@@ -22190,14 +22565,14 @@
                 <a:tableStyleId>{5C22544A-7EE6-4342-B048-85BDC9FD1C3A}</a:tableStyleId>
               </a:tblPr>
               <a:tblGrid>
-                <a:gridCol w="4064000">
+                <a:gridCol w="1563806">
                   <a:extLst>
                     <a:ext uri="{9D8B030D-6E8A-4147-A177-3AD203B41FA5}">
                       <a16:colId xmlns:a16="http://schemas.microsoft.com/office/drawing/2014/main" val="3754324561"/>
                     </a:ext>
                   </a:extLst>
                 </a:gridCol>
-                <a:gridCol w="4064000">
+                <a:gridCol w="2579427">
                   <a:extLst>
                     <a:ext uri="{9D8B030D-6E8A-4147-A177-3AD203B41FA5}">
                       <a16:colId xmlns:a16="http://schemas.microsoft.com/office/drawing/2014/main" val="2331678079"/>
@@ -22211,6 +22586,7 @@
                     <a:bodyPr/>
                     <a:lstStyle/>
                     <a:p>
+                      <a:pPr algn="ctr"/>
                       <a:r>
                         <a:rPr lang="en-US" dirty="0"/>
                         <a:t>Train Set</a:t>
@@ -22548,14 +22924,14 @@
           <p:nvPr>
             <p:extLst>
               <p:ext uri="{D42A27DB-BD31-4B8C-83A1-F6EECF244321}">
-                <p14:modId xmlns:p14="http://schemas.microsoft.com/office/powerpoint/2010/main" val="3309919876"/>
+                <p14:modId xmlns:p14="http://schemas.microsoft.com/office/powerpoint/2010/main" val="4273108235"/>
               </p:ext>
             </p:extLst>
           </p:nvPr>
         </p:nvGraphicFramePr>
         <p:xfrm>
-          <a:off x="3710674" y="2989809"/>
-          <a:ext cx="8128000" cy="2966720"/>
+          <a:off x="5307462" y="2576252"/>
+          <a:ext cx="4123141" cy="2966720"/>
         </p:xfrm>
         <a:graphic>
           <a:graphicData uri="http://schemas.openxmlformats.org/drawingml/2006/table">
@@ -22564,14 +22940,14 @@
                 <a:tableStyleId>{5C22544A-7EE6-4342-B048-85BDC9FD1C3A}</a:tableStyleId>
               </a:tblPr>
               <a:tblGrid>
-                <a:gridCol w="4064000">
+                <a:gridCol w="1666544">
                   <a:extLst>
                     <a:ext uri="{9D8B030D-6E8A-4147-A177-3AD203B41FA5}">
                       <a16:colId xmlns:a16="http://schemas.microsoft.com/office/drawing/2014/main" val="281683923"/>
                     </a:ext>
                   </a:extLst>
                 </a:gridCol>
-                <a:gridCol w="4064000">
+                <a:gridCol w="2456597">
                   <a:extLst>
                     <a:ext uri="{9D8B030D-6E8A-4147-A177-3AD203B41FA5}">
                       <a16:colId xmlns:a16="http://schemas.microsoft.com/office/drawing/2014/main" val="2955414041"/>
@@ -22585,6 +22961,7 @@
                     <a:bodyPr/>
                     <a:lstStyle/>
                     <a:p>
+                      <a:pPr algn="ctr"/>
                       <a:r>
                         <a:rPr lang="en-US" dirty="0"/>
                         <a:t>Test Set</a:t>
@@ -22959,10 +23336,10 @@
           <a:lstStyle/>
           <a:p>
             <a:r>
-              <a:rPr lang="en-US" dirty="0"/>
+              <a:rPr lang="en-US" b="1" dirty="0"/>
               <a:t>2) Exploratory Data Analysis - Steps</a:t>
             </a:r>
-            <a:endParaRPr lang="en-IN" dirty="0"/>
+            <a:endParaRPr lang="en-IN" b="1" dirty="0"/>
           </a:p>
         </p:txBody>
       </p:sp>
@@ -23058,7 +23435,7 @@
 <file path=ppt/theme/theme1.xml><?xml version="1.0" encoding="utf-8"?>
 <a:theme xmlns:a="http://schemas.openxmlformats.org/drawingml/2006/main" name="Facet">
   <a:themeElements>
-    <a:clrScheme name="Facet">
+    <a:clrScheme name="Green">
       <a:dk1>
         <a:sysClr val="windowText" lastClr="000000"/>
       </a:dk1>
@@ -23066,34 +23443,34 @@
         <a:sysClr val="window" lastClr="FFFFFF"/>
       </a:lt1>
       <a:dk2>
-        <a:srgbClr val="2C3C43"/>
+        <a:srgbClr val="455F51"/>
       </a:dk2>
       <a:lt2>
-        <a:srgbClr val="EBEBEB"/>
+        <a:srgbClr val="E3DED1"/>
       </a:lt2>
       <a:accent1>
-        <a:srgbClr val="90C226"/>
+        <a:srgbClr val="549E39"/>
       </a:accent1>
       <a:accent2>
-        <a:srgbClr val="54A021"/>
+        <a:srgbClr val="8AB833"/>
       </a:accent2>
       <a:accent3>
-        <a:srgbClr val="E6B91E"/>
+        <a:srgbClr val="C0CF3A"/>
       </a:accent3>
       <a:accent4>
-        <a:srgbClr val="E76618"/>
+        <a:srgbClr val="029676"/>
       </a:accent4>
       <a:accent5>
-        <a:srgbClr val="C42F1A"/>
+        <a:srgbClr val="4AB5C4"/>
       </a:accent5>
       <a:accent6>
-        <a:srgbClr val="918655"/>
+        <a:srgbClr val="0989B1"/>
       </a:accent6>
       <a:hlink>
-        <a:srgbClr val="99CA3C"/>
+        <a:srgbClr val="6B9F25"/>
       </a:hlink>
       <a:folHlink>
-        <a:srgbClr val="B9D181"/>
+        <a:srgbClr val="BA6906"/>
       </a:folHlink>
     </a:clrScheme>
     <a:fontScheme name="Facet">
